--- a/1_Introduction_To_TF/Week_2/Slide/An_Introduction_to_computer_vision.pptx
+++ b/1_Introduction_To_TF/Week_2/Slide/An_Introduction_to_computer_vision.pptx
@@ -5,7 +5,7 @@
     <p:sldMasterId id="2147483658" r:id="rId1"/>
   </p:sldMasterIdLst>
   <p:notesMasterIdLst>
-    <p:notesMasterId r:id="rId19"/>
+    <p:notesMasterId r:id="rId17"/>
   </p:notesMasterIdLst>
   <p:sldIdLst>
     <p:sldId id="256" r:id="rId2"/>
@@ -21,38 +21,36 @@
     <p:sldId id="282" r:id="rId12"/>
     <p:sldId id="292" r:id="rId13"/>
     <p:sldId id="283" r:id="rId14"/>
-    <p:sldId id="291" r:id="rId15"/>
-    <p:sldId id="285" r:id="rId16"/>
-    <p:sldId id="286" r:id="rId17"/>
-    <p:sldId id="279" r:id="rId18"/>
+    <p:sldId id="293" r:id="rId15"/>
+    <p:sldId id="279" r:id="rId16"/>
   </p:sldIdLst>
   <p:sldSz cx="9144000" cy="5143500" type="screen16x9"/>
   <p:notesSz cx="6858000" cy="9144000"/>
   <p:embeddedFontLst>
     <p:embeddedFont>
       <p:font typeface="Consolas" panose="020B0609020204030204" pitchFamily="49" charset="0"/>
-      <p:regular r:id="rId20"/>
-      <p:bold r:id="rId21"/>
-      <p:italic r:id="rId22"/>
-      <p:boldItalic r:id="rId23"/>
+      <p:regular r:id="rId18"/>
+      <p:bold r:id="rId19"/>
+      <p:italic r:id="rId20"/>
+      <p:boldItalic r:id="rId21"/>
     </p:embeddedFont>
     <p:embeddedFont>
-      <p:font typeface="Exo 2" charset="0"/>
-      <p:regular r:id="rId24"/>
-      <p:bold r:id="rId25"/>
-      <p:boldItalic r:id="rId26"/>
+      <p:font typeface="Exo 2" pitchFamily="2" charset="0"/>
+      <p:regular r:id="rId22"/>
+      <p:bold r:id="rId23"/>
+      <p:boldItalic r:id="rId24"/>
     </p:embeddedFont>
     <p:embeddedFont>
       <p:font typeface="Roboto Slab" panose="020B0604020202020204" charset="0"/>
-      <p:regular r:id="rId27"/>
-      <p:bold r:id="rId28"/>
+      <p:regular r:id="rId25"/>
+      <p:bold r:id="rId26"/>
     </p:embeddedFont>
     <p:embeddedFont>
       <p:font typeface="Source Sans Pro" panose="020B0503030403020204" pitchFamily="34" charset="0"/>
-      <p:regular r:id="rId29"/>
-      <p:bold r:id="rId30"/>
-      <p:italic r:id="rId31"/>
-      <p:boldItalic r:id="rId32"/>
+      <p:regular r:id="rId27"/>
+      <p:bold r:id="rId28"/>
+      <p:italic r:id="rId29"/>
+      <p:boldItalic r:id="rId30"/>
     </p:embeddedFont>
   </p:embeddedFontLst>
   <p:defaultTextStyle>
@@ -318,9 +316,7 @@
             <p14:sldId id="282"/>
             <p14:sldId id="292"/>
             <p14:sldId id="283"/>
-            <p14:sldId id="291"/>
-            <p14:sldId id="285"/>
-            <p14:sldId id="286"/>
+            <p14:sldId id="293"/>
             <p14:sldId id="279"/>
           </p14:sldIdLst>
         </p14:section>
@@ -1768,14 +1764,14 @@
               </a:spcAft>
               <a:buNone/>
             </a:pPr>
-            <a:endParaRPr/>
+            <a:endParaRPr lang="en-US" b="1" dirty="0"/>
           </a:p>
         </p:txBody>
       </p:sp>
     </p:spTree>
     <p:extLst>
       <p:ext uri="{BB962C8B-B14F-4D97-AF65-F5344CB8AC3E}">
-        <p14:creationId xmlns:p14="http://schemas.microsoft.com/office/powerpoint/2010/main" val="598513866"/>
+        <p14:creationId xmlns:p14="http://schemas.microsoft.com/office/powerpoint/2010/main" val="1143034282"/>
       </p:ext>
     </p:extLst>
   </p:cSld>
@@ -1786,224 +1782,6 @@
 </file>
 
 <file path=ppt/notesSlides/notesSlide15.xml><?xml version="1.0" encoding="utf-8"?>
-<p:notes xmlns:a="http://schemas.openxmlformats.org/drawingml/2006/main" xmlns:r="http://schemas.openxmlformats.org/officeDocument/2006/relationships" xmlns:p="http://schemas.openxmlformats.org/presentationml/2006/main" showMasterSp="0" showMasterPhAnim="0">
-  <p:cSld>
-    <p:spTree>
-      <p:nvGrpSpPr>
-        <p:cNvPr id="1" name="Shape 93"/>
-        <p:cNvGrpSpPr/>
-        <p:nvPr/>
-      </p:nvGrpSpPr>
-      <p:grpSpPr>
-        <a:xfrm>
-          <a:off x="0" y="0"/>
-          <a:ext cx="0" cy="0"/>
-          <a:chOff x="0" y="0"/>
-          <a:chExt cx="0" cy="0"/>
-        </a:xfrm>
-      </p:grpSpPr>
-      <p:sp>
-        <p:nvSpPr>
-          <p:cNvPr id="94" name="Google Shape;94;g35f391192_029:notes"/>
-          <p:cNvSpPr>
-            <a:spLocks noGrp="1" noRot="1" noChangeAspect="1"/>
-          </p:cNvSpPr>
-          <p:nvPr>
-            <p:ph type="sldImg" idx="2"/>
-          </p:nvPr>
-        </p:nvSpPr>
-        <p:spPr>
-          <a:xfrm>
-            <a:off x="381000" y="685800"/>
-            <a:ext cx="6096000" cy="3429000"/>
-          </a:xfrm>
-          <a:custGeom>
-            <a:avLst/>
-            <a:gdLst/>
-            <a:ahLst/>
-            <a:cxnLst/>
-            <a:rect l="l" t="t" r="r" b="b"/>
-            <a:pathLst>
-              <a:path w="120000" h="120000" extrusionOk="0">
-                <a:moveTo>
-                  <a:pt x="0" y="0"/>
-                </a:moveTo>
-                <a:lnTo>
-                  <a:pt x="120000" y="0"/>
-                </a:lnTo>
-                <a:lnTo>
-                  <a:pt x="120000" y="120000"/>
-                </a:lnTo>
-                <a:lnTo>
-                  <a:pt x="0" y="120000"/>
-                </a:lnTo>
-                <a:close/>
-              </a:path>
-            </a:pathLst>
-          </a:custGeom>
-        </p:spPr>
-      </p:sp>
-      <p:sp>
-        <p:nvSpPr>
-          <p:cNvPr id="95" name="Google Shape;95;g35f391192_029:notes"/>
-          <p:cNvSpPr txBox="1">
-            <a:spLocks noGrp="1"/>
-          </p:cNvSpPr>
-          <p:nvPr>
-            <p:ph type="body" idx="1"/>
-          </p:nvPr>
-        </p:nvSpPr>
-        <p:spPr>
-          <a:xfrm>
-            <a:off x="685800" y="4343400"/>
-            <a:ext cx="5486400" cy="4114800"/>
-          </a:xfrm>
-          <a:prstGeom prst="rect">
-            <a:avLst/>
-          </a:prstGeom>
-        </p:spPr>
-        <p:txBody>
-          <a:bodyPr spcFirstLastPara="1" wrap="square" lIns="91425" tIns="91425" rIns="91425" bIns="91425" anchor="t" anchorCtr="0">
-            <a:noAutofit/>
-          </a:bodyPr>
-          <a:lstStyle/>
-          <a:p>
-            <a:pPr marL="0" lvl="0" indent="0" algn="l" rtl="0">
-              <a:spcBef>
-                <a:spcPts val="0"/>
-              </a:spcBef>
-              <a:spcAft>
-                <a:spcPts val="0"/>
-              </a:spcAft>
-              <a:buNone/>
-            </a:pPr>
-            <a:endParaRPr/>
-          </a:p>
-        </p:txBody>
-      </p:sp>
-    </p:spTree>
-    <p:extLst>
-      <p:ext uri="{BB962C8B-B14F-4D97-AF65-F5344CB8AC3E}">
-        <p14:creationId xmlns:p14="http://schemas.microsoft.com/office/powerpoint/2010/main" val="3452025229"/>
-      </p:ext>
-    </p:extLst>
-  </p:cSld>
-  <p:clrMapOvr>
-    <a:masterClrMapping/>
-  </p:clrMapOvr>
-</p:notes>
-</file>
-
-<file path=ppt/notesSlides/notesSlide16.xml><?xml version="1.0" encoding="utf-8"?>
-<p:notes xmlns:a="http://schemas.openxmlformats.org/drawingml/2006/main" xmlns:r="http://schemas.openxmlformats.org/officeDocument/2006/relationships" xmlns:p="http://schemas.openxmlformats.org/presentationml/2006/main" showMasterSp="0" showMasterPhAnim="0">
-  <p:cSld>
-    <p:spTree>
-      <p:nvGrpSpPr>
-        <p:cNvPr id="1" name="Shape 100"/>
-        <p:cNvGrpSpPr/>
-        <p:nvPr/>
-      </p:nvGrpSpPr>
-      <p:grpSpPr>
-        <a:xfrm>
-          <a:off x="0" y="0"/>
-          <a:ext cx="0" cy="0"/>
-          <a:chOff x="0" y="0"/>
-          <a:chExt cx="0" cy="0"/>
-        </a:xfrm>
-      </p:grpSpPr>
-      <p:sp>
-        <p:nvSpPr>
-          <p:cNvPr id="101" name="Google Shape;101;g35f391192_09:notes"/>
-          <p:cNvSpPr>
-            <a:spLocks noGrp="1" noRot="1" noChangeAspect="1"/>
-          </p:cNvSpPr>
-          <p:nvPr>
-            <p:ph type="sldImg" idx="2"/>
-          </p:nvPr>
-        </p:nvSpPr>
-        <p:spPr>
-          <a:xfrm>
-            <a:off x="381000" y="685800"/>
-            <a:ext cx="6096000" cy="3429000"/>
-          </a:xfrm>
-          <a:custGeom>
-            <a:avLst/>
-            <a:gdLst/>
-            <a:ahLst/>
-            <a:cxnLst/>
-            <a:rect l="l" t="t" r="r" b="b"/>
-            <a:pathLst>
-              <a:path w="120000" h="120000" extrusionOk="0">
-                <a:moveTo>
-                  <a:pt x="0" y="0"/>
-                </a:moveTo>
-                <a:lnTo>
-                  <a:pt x="120000" y="0"/>
-                </a:lnTo>
-                <a:lnTo>
-                  <a:pt x="120000" y="120000"/>
-                </a:lnTo>
-                <a:lnTo>
-                  <a:pt x="0" y="120000"/>
-                </a:lnTo>
-                <a:close/>
-              </a:path>
-            </a:pathLst>
-          </a:custGeom>
-        </p:spPr>
-      </p:sp>
-      <p:sp>
-        <p:nvSpPr>
-          <p:cNvPr id="102" name="Google Shape;102;g35f391192_09:notes"/>
-          <p:cNvSpPr txBox="1">
-            <a:spLocks noGrp="1"/>
-          </p:cNvSpPr>
-          <p:nvPr>
-            <p:ph type="body" idx="1"/>
-          </p:nvPr>
-        </p:nvSpPr>
-        <p:spPr>
-          <a:xfrm>
-            <a:off x="685800" y="4343400"/>
-            <a:ext cx="5486400" cy="4114800"/>
-          </a:xfrm>
-          <a:prstGeom prst="rect">
-            <a:avLst/>
-          </a:prstGeom>
-        </p:spPr>
-        <p:txBody>
-          <a:bodyPr spcFirstLastPara="1" wrap="square" lIns="91425" tIns="91425" rIns="91425" bIns="91425" anchor="t" anchorCtr="0">
-            <a:noAutofit/>
-          </a:bodyPr>
-          <a:lstStyle/>
-          <a:p>
-            <a:pPr marL="0" lvl="0" indent="0" algn="l" rtl="0">
-              <a:spcBef>
-                <a:spcPts val="0"/>
-              </a:spcBef>
-              <a:spcAft>
-                <a:spcPts val="0"/>
-              </a:spcAft>
-              <a:buNone/>
-            </a:pPr>
-            <a:endParaRPr/>
-          </a:p>
-        </p:txBody>
-      </p:sp>
-    </p:spTree>
-    <p:extLst>
-      <p:ext uri="{BB962C8B-B14F-4D97-AF65-F5344CB8AC3E}">
-        <p14:creationId xmlns:p14="http://schemas.microsoft.com/office/powerpoint/2010/main" val="828764711"/>
-      </p:ext>
-    </p:extLst>
-  </p:cSld>
-  <p:clrMapOvr>
-    <a:masterClrMapping/>
-  </p:clrMapOvr>
-</p:notes>
-</file>
-
-<file path=ppt/notesSlides/notesSlide17.xml><?xml version="1.0" encoding="utf-8"?>
 <p:notes xmlns:a="http://schemas.openxmlformats.org/drawingml/2006/main" xmlns:r="http://schemas.openxmlformats.org/officeDocument/2006/relationships" xmlns:p="http://schemas.openxmlformats.org/presentationml/2006/main" showMasterSp="0" showMasterPhAnim="0">
   <p:cSld>
     <p:spTree>
@@ -7721,516 +7499,6 @@
 </file>
 
 <file path=ppt/slideLayouts/slideLayout3.xml><?xml version="1.0" encoding="utf-8"?>
-<p:sldLayout xmlns:a="http://schemas.openxmlformats.org/drawingml/2006/main" xmlns:r="http://schemas.openxmlformats.org/officeDocument/2006/relationships" xmlns:p="http://schemas.openxmlformats.org/presentationml/2006/main" matchingName="Quote">
-  <p:cSld name="TITLE_1_1">
-    <p:spTree>
-      <p:nvGrpSpPr>
-        <p:cNvPr id="1" name="Shape 29"/>
-        <p:cNvGrpSpPr/>
-        <p:nvPr/>
-      </p:nvGrpSpPr>
-      <p:grpSpPr>
-        <a:xfrm>
-          <a:off x="0" y="0"/>
-          <a:ext cx="0" cy="0"/>
-          <a:chOff x="0" y="0"/>
-          <a:chExt cx="0" cy="0"/>
-        </a:xfrm>
-      </p:grpSpPr>
-      <p:pic>
-        <p:nvPicPr>
-          <p:cNvPr id="30" name="Google Shape;30;p4"/>
-          <p:cNvPicPr preferRelativeResize="0"/>
-          <p:nvPr/>
-        </p:nvPicPr>
-        <p:blipFill rotWithShape="1">
-          <a:blip r:embed="rId2">
-            <a:alphaModFix/>
-          </a:blip>
-          <a:srcRect l="19" r="19"/>
-          <a:stretch/>
-        </p:blipFill>
-        <p:spPr>
-          <a:xfrm rot="10800000" flipH="1">
-            <a:off x="5952" y="0"/>
-            <a:ext cx="9140602" cy="5143500"/>
-          </a:xfrm>
-          <a:prstGeom prst="rect">
-            <a:avLst/>
-          </a:prstGeom>
-          <a:noFill/>
-          <a:ln>
-            <a:noFill/>
-          </a:ln>
-        </p:spPr>
-      </p:pic>
-      <p:sp>
-        <p:nvSpPr>
-          <p:cNvPr id="31" name="Google Shape;31;p4"/>
-          <p:cNvSpPr txBox="1">
-            <a:spLocks noGrp="1"/>
-          </p:cNvSpPr>
-          <p:nvPr>
-            <p:ph type="body" idx="1"/>
-          </p:nvPr>
-        </p:nvSpPr>
-        <p:spPr>
-          <a:xfrm>
-            <a:off x="1215300" y="1723650"/>
-            <a:ext cx="6713400" cy="819900"/>
-          </a:xfrm>
-          <a:prstGeom prst="rect">
-            <a:avLst/>
-          </a:prstGeom>
-        </p:spPr>
-        <p:txBody>
-          <a:bodyPr spcFirstLastPara="1" wrap="square" lIns="91425" tIns="91425" rIns="91425" bIns="91425" anchor="t" anchorCtr="0">
-            <a:noAutofit/>
-          </a:bodyPr>
-          <a:lstStyle>
-            <a:lvl1pPr marL="457200" lvl="0" indent="-457200" algn="ctr" rtl="0">
-              <a:spcBef>
-                <a:spcPts val="600"/>
-              </a:spcBef>
-              <a:spcAft>
-                <a:spcPts val="0"/>
-              </a:spcAft>
-              <a:buClr>
-                <a:schemeClr val="dk1"/>
-              </a:buClr>
-              <a:buSzPts val="3600"/>
-              <a:buChar char="◎"/>
-              <a:defRPr sz="3600" i="1"/>
-            </a:lvl1pPr>
-            <a:lvl2pPr marL="914400" lvl="1" indent="-457200" algn="ctr" rtl="0">
-              <a:spcBef>
-                <a:spcPts val="0"/>
-              </a:spcBef>
-              <a:spcAft>
-                <a:spcPts val="0"/>
-              </a:spcAft>
-              <a:buClr>
-                <a:schemeClr val="dk1"/>
-              </a:buClr>
-              <a:buSzPts val="3600"/>
-              <a:buChar char="○"/>
-              <a:defRPr sz="3600" i="1"/>
-            </a:lvl2pPr>
-            <a:lvl3pPr marL="1371600" lvl="2" indent="-457200" algn="ctr" rtl="0">
-              <a:spcBef>
-                <a:spcPts val="0"/>
-              </a:spcBef>
-              <a:spcAft>
-                <a:spcPts val="0"/>
-              </a:spcAft>
-              <a:buClr>
-                <a:schemeClr val="dk1"/>
-              </a:buClr>
-              <a:buSzPts val="3600"/>
-              <a:buChar char="◉"/>
-              <a:defRPr sz="3600" i="1"/>
-            </a:lvl3pPr>
-            <a:lvl4pPr marL="1828800" lvl="3" indent="-457200" algn="ctr" rtl="0">
-              <a:spcBef>
-                <a:spcPts val="0"/>
-              </a:spcBef>
-              <a:spcAft>
-                <a:spcPts val="0"/>
-              </a:spcAft>
-              <a:buSzPts val="3600"/>
-              <a:buChar char="●"/>
-              <a:defRPr sz="3600" i="1"/>
-            </a:lvl4pPr>
-            <a:lvl5pPr marL="2286000" lvl="4" indent="-457200" algn="ctr" rtl="0">
-              <a:spcBef>
-                <a:spcPts val="0"/>
-              </a:spcBef>
-              <a:spcAft>
-                <a:spcPts val="0"/>
-              </a:spcAft>
-              <a:buSzPts val="3600"/>
-              <a:buChar char="○"/>
-              <a:defRPr sz="3600" i="1"/>
-            </a:lvl5pPr>
-            <a:lvl6pPr marL="2743200" lvl="5" indent="-457200" algn="ctr" rtl="0">
-              <a:spcBef>
-                <a:spcPts val="0"/>
-              </a:spcBef>
-              <a:spcAft>
-                <a:spcPts val="0"/>
-              </a:spcAft>
-              <a:buSzPts val="3600"/>
-              <a:buChar char="■"/>
-              <a:defRPr sz="3600" i="1"/>
-            </a:lvl6pPr>
-            <a:lvl7pPr marL="3200400" lvl="6" indent="-457200" algn="ctr" rtl="0">
-              <a:spcBef>
-                <a:spcPts val="0"/>
-              </a:spcBef>
-              <a:spcAft>
-                <a:spcPts val="0"/>
-              </a:spcAft>
-              <a:buSzPts val="3600"/>
-              <a:buChar char="●"/>
-              <a:defRPr sz="3600" i="1"/>
-            </a:lvl7pPr>
-            <a:lvl8pPr marL="3657600" lvl="7" indent="-457200" algn="ctr" rtl="0">
-              <a:spcBef>
-                <a:spcPts val="0"/>
-              </a:spcBef>
-              <a:spcAft>
-                <a:spcPts val="0"/>
-              </a:spcAft>
-              <a:buSzPts val="3600"/>
-              <a:buChar char="○"/>
-              <a:defRPr sz="3600" i="1"/>
-            </a:lvl8pPr>
-            <a:lvl9pPr marL="4114800" lvl="8" indent="-457200" algn="ctr">
-              <a:spcBef>
-                <a:spcPts val="0"/>
-              </a:spcBef>
-              <a:spcAft>
-                <a:spcPts val="0"/>
-              </a:spcAft>
-              <a:buSzPts val="3600"/>
-              <a:buChar char="■"/>
-              <a:defRPr sz="3600" i="1"/>
-            </a:lvl9pPr>
-          </a:lstStyle>
-          <a:p>
-            <a:endParaRPr/>
-          </a:p>
-        </p:txBody>
-      </p:sp>
-      <p:grpSp>
-        <p:nvGrpSpPr>
-          <p:cNvPr id="32" name="Google Shape;32;p4"/>
-          <p:cNvGrpSpPr/>
-          <p:nvPr/>
-        </p:nvGrpSpPr>
-        <p:grpSpPr>
-          <a:xfrm>
-            <a:off x="3839646" y="782918"/>
-            <a:ext cx="1464573" cy="842707"/>
-            <a:chOff x="3593400" y="1729675"/>
-            <a:chExt cx="1957200" cy="1123610"/>
-          </a:xfrm>
-        </p:grpSpPr>
-        <p:sp>
-          <p:nvSpPr>
-            <p:cNvPr id="33" name="Google Shape;33;p4"/>
-            <p:cNvSpPr txBox="1"/>
-            <p:nvPr/>
-          </p:nvSpPr>
-          <p:spPr>
-            <a:xfrm>
-              <a:off x="3593400" y="1729675"/>
-              <a:ext cx="1957200" cy="871500"/>
-            </a:xfrm>
-            <a:prstGeom prst="rect">
-              <a:avLst/>
-            </a:prstGeom>
-            <a:noFill/>
-            <a:ln>
-              <a:noFill/>
-            </a:ln>
-          </p:spPr>
-          <p:txBody>
-            <a:bodyPr spcFirstLastPara="1" wrap="square" lIns="91425" tIns="91425" rIns="91425" bIns="91425" anchor="t" anchorCtr="0">
-              <a:noAutofit/>
-            </a:bodyPr>
-            <a:lstStyle/>
-            <a:p>
-              <a:pPr marL="0" lvl="0" indent="0" algn="ctr" rtl="0">
-                <a:spcBef>
-                  <a:spcPts val="0"/>
-                </a:spcBef>
-                <a:spcAft>
-                  <a:spcPts val="0"/>
-                </a:spcAft>
-                <a:buNone/>
-              </a:pPr>
-              <a:r>
-                <a:rPr lang="en" sz="6000" b="1">
-                  <a:solidFill>
-                    <a:schemeClr val="accent1"/>
-                  </a:solidFill>
-                  <a:latin typeface="Source Sans Pro"/>
-                  <a:ea typeface="Source Sans Pro"/>
-                  <a:cs typeface="Source Sans Pro"/>
-                  <a:sym typeface="Source Sans Pro"/>
-                </a:rPr>
-                <a:t>“</a:t>
-              </a:r>
-              <a:endParaRPr sz="6000" b="1">
-                <a:solidFill>
-                  <a:schemeClr val="accent1"/>
-                </a:solidFill>
-                <a:latin typeface="Source Sans Pro"/>
-                <a:ea typeface="Source Sans Pro"/>
-                <a:cs typeface="Source Sans Pro"/>
-                <a:sym typeface="Source Sans Pro"/>
-              </a:endParaRPr>
-            </a:p>
-          </p:txBody>
-        </p:sp>
-        <p:sp>
-          <p:nvSpPr>
-            <p:cNvPr id="34" name="Google Shape;34;p4"/>
-            <p:cNvSpPr/>
-            <p:nvPr/>
-          </p:nvSpPr>
-          <p:spPr>
-            <a:xfrm>
-              <a:off x="4025400" y="1760085"/>
-              <a:ext cx="1093200" cy="1093200"/>
-            </a:xfrm>
-            <a:prstGeom prst="ellipse">
-              <a:avLst/>
-            </a:prstGeom>
-            <a:noFill/>
-            <a:ln w="9525" cap="flat" cmpd="sng">
-              <a:solidFill>
-                <a:srgbClr val="CFD8DC"/>
-              </a:solidFill>
-              <a:prstDash val="dash"/>
-              <a:round/>
-              <a:headEnd type="none" w="sm" len="sm"/>
-              <a:tailEnd type="none" w="sm" len="sm"/>
-            </a:ln>
-          </p:spPr>
-          <p:txBody>
-            <a:bodyPr spcFirstLastPara="1" wrap="square" lIns="91425" tIns="91425" rIns="91425" bIns="91425" anchor="ctr" anchorCtr="0">
-              <a:noAutofit/>
-            </a:bodyPr>
-            <a:lstStyle/>
-            <a:p>
-              <a:pPr marL="0" lvl="0" indent="0" algn="l" rtl="0">
-                <a:spcBef>
-                  <a:spcPts val="0"/>
-                </a:spcBef>
-                <a:spcAft>
-                  <a:spcPts val="0"/>
-                </a:spcAft>
-                <a:buNone/>
-              </a:pPr>
-              <a:endParaRPr/>
-            </a:p>
-          </p:txBody>
-        </p:sp>
-        <p:sp>
-          <p:nvSpPr>
-            <p:cNvPr id="35" name="Google Shape;35;p4"/>
-            <p:cNvSpPr/>
-            <p:nvPr/>
-          </p:nvSpPr>
-          <p:spPr>
-            <a:xfrm>
-              <a:off x="4190700" y="1925385"/>
-              <a:ext cx="762600" cy="762600"/>
-            </a:xfrm>
-            <a:prstGeom prst="ellipse">
-              <a:avLst/>
-            </a:prstGeom>
-            <a:noFill/>
-            <a:ln w="19050" cap="flat" cmpd="sng">
-              <a:solidFill>
-                <a:srgbClr val="CFD8DC"/>
-              </a:solidFill>
-              <a:prstDash val="solid"/>
-              <a:round/>
-              <a:headEnd type="none" w="sm" len="sm"/>
-              <a:tailEnd type="none" w="sm" len="sm"/>
-            </a:ln>
-          </p:spPr>
-          <p:txBody>
-            <a:bodyPr spcFirstLastPara="1" wrap="square" lIns="91425" tIns="91425" rIns="91425" bIns="91425" anchor="ctr" anchorCtr="0">
-              <a:noAutofit/>
-            </a:bodyPr>
-            <a:lstStyle/>
-            <a:p>
-              <a:pPr marL="0" lvl="0" indent="0" algn="l" rtl="0">
-                <a:spcBef>
-                  <a:spcPts val="0"/>
-                </a:spcBef>
-                <a:spcAft>
-                  <a:spcPts val="0"/>
-                </a:spcAft>
-                <a:buNone/>
-              </a:pPr>
-              <a:endParaRPr/>
-            </a:p>
-          </p:txBody>
-        </p:sp>
-      </p:grpSp>
-      <p:cxnSp>
-        <p:nvCxnSpPr>
-          <p:cNvPr id="36" name="Google Shape;36;p4"/>
-          <p:cNvCxnSpPr>
-            <a:endCxn id="34" idx="1"/>
-          </p:cNvCxnSpPr>
-          <p:nvPr/>
-        </p:nvCxnSpPr>
-        <p:spPr>
-          <a:xfrm>
-            <a:off x="3750511" y="390297"/>
-            <a:ext cx="532200" cy="535500"/>
-          </a:xfrm>
-          <a:prstGeom prst="straightConnector1">
-            <a:avLst/>
-          </a:prstGeom>
-          <a:noFill/>
-          <a:ln w="9525" cap="flat" cmpd="sng">
-            <a:solidFill>
-              <a:srgbClr val="CFD8DC"/>
-            </a:solidFill>
-            <a:prstDash val="solid"/>
-            <a:round/>
-            <a:headEnd type="none" w="med" len="med"/>
-            <a:tailEnd type="none" w="med" len="med"/>
-          </a:ln>
-        </p:spPr>
-      </p:cxnSp>
-      <p:cxnSp>
-        <p:nvCxnSpPr>
-          <p:cNvPr id="37" name="Google Shape;37;p4"/>
-          <p:cNvCxnSpPr/>
-          <p:nvPr/>
-        </p:nvCxnSpPr>
-        <p:spPr>
-          <a:xfrm rot="10800000">
-            <a:off x="4362902" y="436125"/>
-            <a:ext cx="209100" cy="369600"/>
-          </a:xfrm>
-          <a:prstGeom prst="straightConnector1">
-            <a:avLst/>
-          </a:prstGeom>
-          <a:noFill/>
-          <a:ln w="9525" cap="flat" cmpd="sng">
-            <a:solidFill>
-              <a:srgbClr val="CFD8DC"/>
-            </a:solidFill>
-            <a:prstDash val="solid"/>
-            <a:round/>
-            <a:headEnd type="none" w="med" len="med"/>
-            <a:tailEnd type="none" w="med" len="med"/>
-          </a:ln>
-        </p:spPr>
-      </p:cxnSp>
-      <p:cxnSp>
-        <p:nvCxnSpPr>
-          <p:cNvPr id="38" name="Google Shape;38;p4"/>
-          <p:cNvCxnSpPr/>
-          <p:nvPr/>
-        </p:nvCxnSpPr>
-        <p:spPr>
-          <a:xfrm rot="10800000" flipH="1">
-            <a:off x="4704510" y="351930"/>
-            <a:ext cx="347100" cy="474600"/>
-          </a:xfrm>
-          <a:prstGeom prst="straightConnector1">
-            <a:avLst/>
-          </a:prstGeom>
-          <a:noFill/>
-          <a:ln w="9525" cap="flat" cmpd="sng">
-            <a:solidFill>
-              <a:srgbClr val="CFD8DC"/>
-            </a:solidFill>
-            <a:prstDash val="solid"/>
-            <a:round/>
-            <a:headEnd type="none" w="med" len="med"/>
-            <a:tailEnd type="none" w="med" len="med"/>
-          </a:ln>
-        </p:spPr>
-      </p:cxnSp>
-      <p:sp>
-        <p:nvSpPr>
-          <p:cNvPr id="39" name="Google Shape;39;p4"/>
-          <p:cNvSpPr txBox="1">
-            <a:spLocks noGrp="1"/>
-          </p:cNvSpPr>
-          <p:nvPr>
-            <p:ph type="sldNum" idx="12"/>
-          </p:nvPr>
-        </p:nvSpPr>
-        <p:spPr>
-          <a:xfrm>
-            <a:off x="-87" y="4749844"/>
-            <a:ext cx="9144000" cy="393600"/>
-          </a:xfrm>
-          <a:prstGeom prst="rect">
-            <a:avLst/>
-          </a:prstGeom>
-        </p:spPr>
-        <p:txBody>
-          <a:bodyPr spcFirstLastPara="1" wrap="square" lIns="91425" tIns="91425" rIns="91425" bIns="91425" anchor="t" anchorCtr="0">
-            <a:noAutofit/>
-          </a:bodyPr>
-          <a:lstStyle>
-            <a:lvl1pPr lvl="0" algn="ctr">
-              <a:buNone/>
-              <a:defRPr/>
-            </a:lvl1pPr>
-            <a:lvl2pPr lvl="1" algn="ctr">
-              <a:buNone/>
-              <a:defRPr/>
-            </a:lvl2pPr>
-            <a:lvl3pPr lvl="2" algn="ctr">
-              <a:buNone/>
-              <a:defRPr/>
-            </a:lvl3pPr>
-            <a:lvl4pPr lvl="3" algn="ctr">
-              <a:buNone/>
-              <a:defRPr/>
-            </a:lvl4pPr>
-            <a:lvl5pPr lvl="4" algn="ctr">
-              <a:buNone/>
-              <a:defRPr/>
-            </a:lvl5pPr>
-            <a:lvl6pPr lvl="5" algn="ctr">
-              <a:buNone/>
-              <a:defRPr/>
-            </a:lvl6pPr>
-            <a:lvl7pPr lvl="6" algn="ctr">
-              <a:buNone/>
-              <a:defRPr/>
-            </a:lvl7pPr>
-            <a:lvl8pPr lvl="7" algn="ctr">
-              <a:buNone/>
-              <a:defRPr/>
-            </a:lvl8pPr>
-            <a:lvl9pPr lvl="8" algn="ctr">
-              <a:buNone/>
-              <a:defRPr/>
-            </a:lvl9pPr>
-          </a:lstStyle>
-          <a:p>
-            <a:pPr marL="0" lvl="0" indent="0" algn="ctr" rtl="0">
-              <a:spcBef>
-                <a:spcPts val="0"/>
-              </a:spcBef>
-              <a:spcAft>
-                <a:spcPts val="0"/>
-              </a:spcAft>
-              <a:buNone/>
-            </a:pPr>
-            <a:fld id="{00000000-1234-1234-1234-123412341234}" type="slidenum">
-              <a:rPr lang="en"/>
-              <a:t>‹#›</a:t>
-            </a:fld>
-            <a:endParaRPr/>
-          </a:p>
-        </p:txBody>
-      </p:sp>
-    </p:spTree>
-  </p:cSld>
-  <p:clrMapOvr>
-    <a:masterClrMapping/>
-  </p:clrMapOvr>
-</p:sldLayout>
-</file>
-
-<file path=ppt/slideLayouts/slideLayout4.xml><?xml version="1.0" encoding="utf-8"?>
 <p:sldLayout xmlns:a="http://schemas.openxmlformats.org/drawingml/2006/main" xmlns:r="http://schemas.openxmlformats.org/officeDocument/2006/relationships" xmlns:p="http://schemas.openxmlformats.org/presentationml/2006/main" matchingName="Title + 1 column" type="tx">
   <p:cSld name="TITLE_AND_BODY">
     <p:spTree>
@@ -8592,7 +7860,7 @@
 </p:sldLayout>
 </file>
 
-<file path=ppt/slideLayouts/slideLayout5.xml><?xml version="1.0" encoding="utf-8"?>
+<file path=ppt/slideLayouts/slideLayout4.xml><?xml version="1.0" encoding="utf-8"?>
 <p:sldLayout xmlns:a="http://schemas.openxmlformats.org/drawingml/2006/main" xmlns:r="http://schemas.openxmlformats.org/officeDocument/2006/relationships" xmlns:p="http://schemas.openxmlformats.org/presentationml/2006/main" matchingName="Title only" type="titleOnly">
   <p:cSld name="TITLE_ONLY">
     <p:bg>
@@ -8838,7 +8106,7 @@
 </p:sldLayout>
 </file>
 
-<file path=ppt/slideLayouts/slideLayout6.xml><?xml version="1.0" encoding="utf-8"?>
+<file path=ppt/slideLayouts/slideLayout5.xml><?xml version="1.0" encoding="utf-8"?>
 <p:sldLayout xmlns:a="http://schemas.openxmlformats.org/drawingml/2006/main" xmlns:r="http://schemas.openxmlformats.org/officeDocument/2006/relationships" xmlns:p="http://schemas.openxmlformats.org/presentationml/2006/main" matchingName="Blank" type="blank">
   <p:cSld name="BLANK">
     <p:bg>
@@ -8961,7 +8229,7 @@
     <p:bg>
       <p:bgPr>
         <a:blipFill>
-          <a:blip r:embed="rId8">
+          <a:blip r:embed="rId7">
             <a:alphaModFix/>
           </a:blip>
           <a:stretch>
@@ -9633,10 +8901,9 @@
   <p:sldLayoutIdLst>
     <p:sldLayoutId id="2147483648" r:id="rId1"/>
     <p:sldLayoutId id="2147483649" r:id="rId2"/>
-    <p:sldLayoutId id="2147483650" r:id="rId3"/>
-    <p:sldLayoutId id="2147483651" r:id="rId4"/>
-    <p:sldLayoutId id="2147483654" r:id="rId5"/>
-    <p:sldLayoutId id="2147483656" r:id="rId6"/>
+    <p:sldLayoutId id="2147483651" r:id="rId3"/>
+    <p:sldLayoutId id="2147483654" r:id="rId4"/>
+    <p:sldLayoutId id="2147483656" r:id="rId5"/>
   </p:sldLayoutIdLst>
   <p:transition>
     <p:fade thruBlk="1"/>
@@ -11185,13 +10452,13 @@
   <p:clrMapOvr>
     <a:masterClrMapping/>
   </p:clrMapOvr>
-  <mc:AlternateContent xmlns:mc="http://schemas.openxmlformats.org/markup-compatibility/2006" xmlns:p15="http://schemas.microsoft.com/office/powerpoint/2012/main">
-    <mc:Choice Requires="p15">
-      <p:transition xmlns:p14="http://schemas.microsoft.com/office/powerpoint/2010/main" spd="slow" p14:dur="1250">
-        <p15:prstTrans prst="pageCurlSingle"/>
+  <mc:AlternateContent xmlns:mc="http://schemas.openxmlformats.org/markup-compatibility/2006">
+    <mc:Choice xmlns:p159="http://schemas.microsoft.com/office/powerpoint/2015/09/main" Requires="p159">
+      <p:transition spd="slow">
+        <p159:morph option="byObject"/>
       </p:transition>
     </mc:Choice>
-    <mc:Fallback xmlns="">
+    <mc:Fallback>
       <p:transition spd="slow">
         <p:fade/>
       </p:transition>
@@ -11646,13 +10913,13 @@
   <p:clrMapOvr>
     <a:masterClrMapping/>
   </p:clrMapOvr>
-  <mc:AlternateContent xmlns:mc="http://schemas.openxmlformats.org/markup-compatibility/2006" xmlns:p15="http://schemas.microsoft.com/office/powerpoint/2012/main">
-    <mc:Choice Requires="p15">
-      <p:transition xmlns:p14="http://schemas.microsoft.com/office/powerpoint/2010/main" spd="slow" p14:dur="1250">
-        <p15:prstTrans prst="pageCurlSingle"/>
+  <mc:AlternateContent xmlns:mc="http://schemas.openxmlformats.org/markup-compatibility/2006">
+    <mc:Choice xmlns:p159="http://schemas.microsoft.com/office/powerpoint/2015/09/main" Requires="p159">
+      <p:transition spd="slow">
+        <p159:morph option="byObject"/>
       </p:transition>
     </mc:Choice>
-    <mc:Fallback xmlns="">
+    <mc:Fallback>
       <p:transition spd="slow">
         <p:fade/>
       </p:transition>
@@ -11731,8 +10998,17 @@
             </a:endParaRPr>
           </a:p>
           <a:p>
+            <a:endParaRPr lang="en-US" sz="1800" b="0" dirty="0">
+              <a:solidFill>
+                <a:srgbClr val="E1E4E8"/>
+              </a:solidFill>
+              <a:effectLst/>
+              <a:latin typeface="Consolas" panose="020B0609020204030204" pitchFamily="49" charset="0"/>
+            </a:endParaRPr>
+          </a:p>
+          <a:p>
             <a:br>
-              <a:rPr lang="en-US" sz="1800" b="0" dirty="0">
+              <a:rPr lang="en-US" sz="2400" b="0" dirty="0">
                 <a:solidFill>
                   <a:srgbClr val="E1E4E8"/>
                 </a:solidFill>
@@ -11741,7 +11017,7 @@
               </a:rPr>
             </a:br>
             <a:r>
-              <a:rPr lang="en-US" sz="1800" b="0" dirty="0">
+              <a:rPr lang="en-US" sz="2400" b="0" dirty="0">
                 <a:solidFill>
                   <a:srgbClr val="E1E4E8"/>
                 </a:solidFill>
@@ -11751,7 +11027,7 @@
               <a:t>model </a:t>
             </a:r>
             <a:r>
-              <a:rPr lang="en-US" sz="1800" b="0" dirty="0">
+              <a:rPr lang="en-US" sz="2400" b="0" dirty="0">
                 <a:solidFill>
                   <a:srgbClr val="F97583"/>
                 </a:solidFill>
@@ -11761,7 +11037,7 @@
               <a:t>=</a:t>
             </a:r>
             <a:r>
-              <a:rPr lang="en-US" sz="1800" b="0" dirty="0">
+              <a:rPr lang="en-US" sz="2400" b="0" dirty="0">
                 <a:solidFill>
                   <a:srgbClr val="E1E4E8"/>
                 </a:solidFill>
@@ -11771,7 +11047,7 @@
               <a:t> </a:t>
             </a:r>
             <a:r>
-              <a:rPr lang="en-US" sz="1800" b="0" dirty="0" err="1">
+              <a:rPr lang="en-US" sz="2400" b="0" dirty="0" err="1">
                 <a:solidFill>
                   <a:srgbClr val="E1E4E8"/>
                 </a:solidFill>
@@ -11781,7 +11057,7 @@
               <a:t>keras.models.Sequential</a:t>
             </a:r>
             <a:r>
-              <a:rPr lang="en-US" sz="1800" b="0" dirty="0">
+              <a:rPr lang="en-US" sz="2400" b="0" dirty="0">
                 <a:solidFill>
                   <a:srgbClr val="E1E4E8"/>
                 </a:solidFill>
@@ -11793,7 +11069,7 @@
           </a:p>
           <a:p>
             <a:r>
-              <a:rPr lang="en-US" sz="1800" b="0" dirty="0">
+              <a:rPr lang="en-US" sz="2400" b="0" dirty="0">
                 <a:solidFill>
                   <a:srgbClr val="E1E4E8"/>
                 </a:solidFill>
@@ -11803,7 +11079,7 @@
               <a:t>    </a:t>
             </a:r>
             <a:r>
-              <a:rPr lang="en-US" sz="1800" b="0" dirty="0" err="1">
+              <a:rPr lang="en-US" sz="2400" b="0" dirty="0" err="1">
                 <a:solidFill>
                   <a:srgbClr val="E1E4E8"/>
                 </a:solidFill>
@@ -11813,7 +11089,7 @@
               <a:t>keras.layers.Flatten</a:t>
             </a:r>
             <a:r>
-              <a:rPr lang="en-US" sz="1800" b="0" dirty="0">
+              <a:rPr lang="en-US" sz="2400" b="0" dirty="0">
                 <a:solidFill>
                   <a:srgbClr val="E1E4E8"/>
                 </a:solidFill>
@@ -11823,7 +11099,7 @@
               <a:t>(</a:t>
             </a:r>
             <a:r>
-              <a:rPr lang="en-US" sz="1800" b="0" dirty="0" err="1">
+              <a:rPr lang="en-US" sz="2400" b="0" dirty="0" err="1">
                 <a:solidFill>
                   <a:srgbClr val="FFAB70"/>
                 </a:solidFill>
@@ -11833,7 +11109,7 @@
               <a:t>input_shape</a:t>
             </a:r>
             <a:r>
-              <a:rPr lang="en-US" sz="1800" b="0" dirty="0">
+              <a:rPr lang="en-US" sz="2400" b="0" dirty="0">
                 <a:solidFill>
                   <a:srgbClr val="F97583"/>
                 </a:solidFill>
@@ -11843,7 +11119,7 @@
               <a:t>=</a:t>
             </a:r>
             <a:r>
-              <a:rPr lang="en-US" sz="1800" b="0" dirty="0">
+              <a:rPr lang="en-US" sz="2400" b="0" dirty="0">
                 <a:solidFill>
                   <a:srgbClr val="E1E4E8"/>
                 </a:solidFill>
@@ -11853,7 +11129,7 @@
               <a:t>(</a:t>
             </a:r>
             <a:r>
-              <a:rPr lang="en-US" sz="1800" b="0" dirty="0">
+              <a:rPr lang="en-US" sz="2400" b="0" dirty="0">
                 <a:solidFill>
                   <a:srgbClr val="79B8FF"/>
                 </a:solidFill>
@@ -11863,7 +11139,7 @@
               <a:t>28</a:t>
             </a:r>
             <a:r>
-              <a:rPr lang="en-US" sz="1800" b="0" dirty="0">
+              <a:rPr lang="en-US" sz="2400" b="0" dirty="0">
                 <a:solidFill>
                   <a:srgbClr val="E1E4E8"/>
                 </a:solidFill>
@@ -11873,7 +11149,7 @@
               <a:t>, </a:t>
             </a:r>
             <a:r>
-              <a:rPr lang="en-US" sz="1800" b="0" dirty="0">
+              <a:rPr lang="en-US" sz="2400" b="0" dirty="0">
                 <a:solidFill>
                   <a:srgbClr val="79B8FF"/>
                 </a:solidFill>
@@ -11883,7 +11159,7 @@
               <a:t>28</a:t>
             </a:r>
             <a:r>
-              <a:rPr lang="en-US" sz="1800" b="0" dirty="0">
+              <a:rPr lang="en-US" sz="2400" b="0" dirty="0">
                 <a:solidFill>
                   <a:srgbClr val="E1E4E8"/>
                 </a:solidFill>
@@ -11895,7 +11171,7 @@
           </a:p>
           <a:p>
             <a:r>
-              <a:rPr lang="en-US" sz="1800" b="0" dirty="0">
+              <a:rPr lang="en-US" sz="2400" b="0" dirty="0">
                 <a:solidFill>
                   <a:srgbClr val="E1E4E8"/>
                 </a:solidFill>
@@ -11905,7 +11181,7 @@
               <a:t>    </a:t>
             </a:r>
             <a:r>
-              <a:rPr lang="en-US" sz="1800" b="0" dirty="0" err="1">
+              <a:rPr lang="en-US" sz="2400" b="0" dirty="0" err="1">
                 <a:solidFill>
                   <a:srgbClr val="E1E4E8"/>
                 </a:solidFill>
@@ -11915,7 +11191,7 @@
               <a:t>keras.layers.Dense</a:t>
             </a:r>
             <a:r>
-              <a:rPr lang="en-US" sz="1800" b="0" dirty="0">
+              <a:rPr lang="en-US" sz="2400" b="0" dirty="0">
                 <a:solidFill>
                   <a:srgbClr val="E1E4E8"/>
                 </a:solidFill>
@@ -11925,7 +11201,7 @@
               <a:t>(</a:t>
             </a:r>
             <a:r>
-              <a:rPr lang="en-US" sz="1800" b="0" dirty="0">
+              <a:rPr lang="en-US" sz="2400" b="0" dirty="0">
                 <a:solidFill>
                   <a:srgbClr val="79B8FF"/>
                 </a:solidFill>
@@ -11935,7 +11211,7 @@
               <a:t>128</a:t>
             </a:r>
             <a:r>
-              <a:rPr lang="en-US" sz="1800" b="0" dirty="0">
+              <a:rPr lang="en-US" sz="2400" b="0" dirty="0">
                 <a:solidFill>
                   <a:srgbClr val="E1E4E8"/>
                 </a:solidFill>
@@ -11945,7 +11221,7 @@
               <a:t>, </a:t>
             </a:r>
             <a:r>
-              <a:rPr lang="en-US" sz="1800" b="0" dirty="0">
+              <a:rPr lang="en-US" sz="2400" b="0" dirty="0">
                 <a:solidFill>
                   <a:srgbClr val="FFAB70"/>
                 </a:solidFill>
@@ -11955,7 +11231,7 @@
               <a:t>activation</a:t>
             </a:r>
             <a:r>
-              <a:rPr lang="en-US" sz="1800" b="0" dirty="0">
+              <a:rPr lang="en-US" sz="2400" b="0" dirty="0">
                 <a:solidFill>
                   <a:srgbClr val="F97583"/>
                 </a:solidFill>
@@ -11965,7 +11241,7 @@
               <a:t>=</a:t>
             </a:r>
             <a:r>
-              <a:rPr lang="en-US" sz="1800" b="0" dirty="0" err="1">
+              <a:rPr lang="en-US" sz="2400" b="0" dirty="0" err="1">
                 <a:solidFill>
                   <a:srgbClr val="E1E4E8"/>
                 </a:solidFill>
@@ -11975,7 +11251,7 @@
               <a:t>tf.nn.relu</a:t>
             </a:r>
             <a:r>
-              <a:rPr lang="en-US" sz="1800" b="0" dirty="0">
+              <a:rPr lang="en-US" sz="2400" b="0" dirty="0">
                 <a:solidFill>
                   <a:srgbClr val="E1E4E8"/>
                 </a:solidFill>
@@ -11987,7 +11263,7 @@
           </a:p>
           <a:p>
             <a:r>
-              <a:rPr lang="en-US" sz="1800" b="0" dirty="0">
+              <a:rPr lang="en-US" sz="2400" b="0" dirty="0">
                 <a:solidFill>
                   <a:srgbClr val="E1E4E8"/>
                 </a:solidFill>
@@ -11997,7 +11273,7 @@
               <a:t>    </a:t>
             </a:r>
             <a:r>
-              <a:rPr lang="en-US" sz="1800" b="0" dirty="0" err="1">
+              <a:rPr lang="en-US" sz="2400" b="0" dirty="0" err="1">
                 <a:solidFill>
                   <a:srgbClr val="E1E4E8"/>
                 </a:solidFill>
@@ -12007,7 +11283,7 @@
               <a:t>keras.layers.Dense</a:t>
             </a:r>
             <a:r>
-              <a:rPr lang="en-US" sz="1800" b="0" dirty="0">
+              <a:rPr lang="en-US" sz="2400" b="0" dirty="0">
                 <a:solidFill>
                   <a:srgbClr val="E1E4E8"/>
                 </a:solidFill>
@@ -12017,7 +11293,7 @@
               <a:t>(</a:t>
             </a:r>
             <a:r>
-              <a:rPr lang="en-US" sz="1800" b="0" dirty="0">
+              <a:rPr lang="en-US" sz="2400" b="0" dirty="0">
                 <a:solidFill>
                   <a:srgbClr val="79B8FF"/>
                 </a:solidFill>
@@ -12027,7 +11303,7 @@
               <a:t>10</a:t>
             </a:r>
             <a:r>
-              <a:rPr lang="en-US" sz="1800" b="0" dirty="0">
+              <a:rPr lang="en-US" sz="2400" b="0" dirty="0">
                 <a:solidFill>
                   <a:srgbClr val="E1E4E8"/>
                 </a:solidFill>
@@ -12037,7 +11313,7 @@
               <a:t>, </a:t>
             </a:r>
             <a:r>
-              <a:rPr lang="en-US" sz="1800" b="0" dirty="0">
+              <a:rPr lang="en-US" sz="2400" b="0" dirty="0">
                 <a:solidFill>
                   <a:srgbClr val="FFAB70"/>
                 </a:solidFill>
@@ -12047,7 +11323,7 @@
               <a:t>activation</a:t>
             </a:r>
             <a:r>
-              <a:rPr lang="en-US" sz="1800" b="0" dirty="0">
+              <a:rPr lang="en-US" sz="2400" b="0" dirty="0">
                 <a:solidFill>
                   <a:srgbClr val="F97583"/>
                 </a:solidFill>
@@ -12057,7 +11333,7 @@
               <a:t>=</a:t>
             </a:r>
             <a:r>
-              <a:rPr lang="en-US" sz="1800" b="0" dirty="0" err="1">
+              <a:rPr lang="en-US" sz="2400" b="0" dirty="0" err="1">
                 <a:solidFill>
                   <a:srgbClr val="E1E4E8"/>
                 </a:solidFill>
@@ -12067,7 +11343,7 @@
               <a:t>tf.nn.softmax</a:t>
             </a:r>
             <a:r>
-              <a:rPr lang="en-US" sz="1800" b="0" dirty="0">
+              <a:rPr lang="en-US" sz="2400" b="0" dirty="0">
                 <a:solidFill>
                   <a:srgbClr val="E1E4E8"/>
                 </a:solidFill>
@@ -12079,7 +11355,7 @@
           </a:p>
           <a:p>
             <a:r>
-              <a:rPr lang="en-US" sz="1800" b="0" dirty="0">
+              <a:rPr lang="en-US" sz="2400" b="0" dirty="0">
                 <a:solidFill>
                   <a:srgbClr val="E1E4E8"/>
                 </a:solidFill>
@@ -12280,9 +11556,9 @@
     <a:masterClrMapping/>
   </p:clrMapOvr>
   <mc:AlternateContent xmlns:mc="http://schemas.openxmlformats.org/markup-compatibility/2006">
-    <mc:Choice xmlns:p15="http://schemas.microsoft.com/office/powerpoint/2012/main" Requires="p15">
-      <p:transition xmlns:p14="http://schemas.microsoft.com/office/powerpoint/2010/main" spd="slow" p14:dur="1250">
-        <p15:prstTrans prst="pageCurlSingle"/>
+    <mc:Choice xmlns:p159="http://schemas.microsoft.com/office/powerpoint/2015/09/main" Requires="p159">
+      <p:transition spd="slow">
+        <p159:morph option="byObject"/>
       </p:transition>
     </mc:Choice>
     <mc:Fallback>
@@ -12329,8 +11605,8 @@
         </p:nvSpPr>
         <p:spPr>
           <a:xfrm flipH="1">
-            <a:off x="2260329" y="2193805"/>
-            <a:ext cx="5195700" cy="1921200"/>
+            <a:off x="2260329" y="2571750"/>
+            <a:ext cx="5392620" cy="1921200"/>
           </a:xfrm>
           <a:prstGeom prst="rect">
             <a:avLst/>
@@ -12352,15 +11628,15 @@
               <a:buNone/>
             </a:pPr>
             <a:r>
-              <a:rPr lang="en-US" sz="3600">
+              <a:rPr lang="en-US" sz="3600" dirty="0">
                 <a:solidFill>
                   <a:srgbClr val="0E78C0"/>
                 </a:solidFill>
                 <a:latin typeface="Exo 2" pitchFamily="2" charset="0"/>
               </a:rPr>
-              <a:t>TITLE</a:t>
-            </a:r>
-            <a:endParaRPr sz="3600">
+              <a:t>Control training using Callbacks</a:t>
+            </a:r>
+            <a:endParaRPr sz="3600" dirty="0">
               <a:solidFill>
                 <a:srgbClr val="0E78C0"/>
               </a:solidFill>
@@ -12670,58 +11946,6 @@
           </a:ln>
         </p:spPr>
       </p:cxnSp>
-      <p:sp>
-        <p:nvSpPr>
-          <p:cNvPr id="12" name="Google Shape;434;p46">
-            <a:extLst>
-              <a:ext uri="{FF2B5EF4-FFF2-40B4-BE49-F238E27FC236}">
-                <a16:creationId xmlns:a16="http://schemas.microsoft.com/office/drawing/2014/main" id="{262279A5-96AE-4A88-8955-A993FAF8DCCB}"/>
-              </a:ext>
-            </a:extLst>
-          </p:cNvPr>
-          <p:cNvSpPr txBox="1">
-            <a:spLocks noGrp="1"/>
-          </p:cNvSpPr>
-          <p:nvPr>
-            <p:ph type="subTitle" idx="1"/>
-          </p:nvPr>
-        </p:nvSpPr>
-        <p:spPr>
-          <a:xfrm>
-            <a:off x="2260329" y="3476054"/>
-            <a:ext cx="4224900" cy="536700"/>
-          </a:xfrm>
-          <a:prstGeom prst="rect">
-            <a:avLst/>
-          </a:prstGeom>
-        </p:spPr>
-        <p:txBody>
-          <a:bodyPr spcFirstLastPara="1" wrap="square" lIns="91425" tIns="91425" rIns="91425" bIns="91425" anchor="t" anchorCtr="0">
-            <a:noAutofit/>
-          </a:bodyPr>
-          <a:lstStyle/>
-          <a:p>
-            <a:pPr marL="0" lvl="0" indent="0" algn="l" rtl="0">
-              <a:spcBef>
-                <a:spcPts val="0"/>
-              </a:spcBef>
-              <a:spcAft>
-                <a:spcPts val="0"/>
-              </a:spcAft>
-              <a:buNone/>
-            </a:pPr>
-            <a:r>
-              <a:rPr lang="en" sz="1600">
-                <a:latin typeface="Exo 2" pitchFamily="2" charset="0"/>
-              </a:rPr>
-              <a:t>You can enter here the subtitle if you need it</a:t>
-            </a:r>
-            <a:endParaRPr sz="1600">
-              <a:latin typeface="Exo 2" pitchFamily="2" charset="0"/>
-            </a:endParaRPr>
-          </a:p>
-        </p:txBody>
-      </p:sp>
       <p:pic>
         <p:nvPicPr>
           <p:cNvPr id="13" name="Picture 12" descr="Icon&#10;&#10;Description automatically generated">
@@ -12792,13 +12016,13 @@
   <p:clrMapOvr>
     <a:masterClrMapping/>
   </p:clrMapOvr>
-  <mc:AlternateContent xmlns:mc="http://schemas.openxmlformats.org/markup-compatibility/2006" xmlns:p15="http://schemas.microsoft.com/office/powerpoint/2012/main">
-    <mc:Choice Requires="p15">
-      <p:transition xmlns:p14="http://schemas.microsoft.com/office/powerpoint/2010/main" spd="slow" p14:dur="1250">
-        <p15:prstTrans prst="pageCurlSingle"/>
+  <mc:AlternateContent xmlns:mc="http://schemas.openxmlformats.org/markup-compatibility/2006">
+    <mc:Choice xmlns:p159="http://schemas.microsoft.com/office/powerpoint/2015/09/main" Requires="p159">
+      <p:transition spd="slow">
+        <p159:morph option="byObject"/>
       </p:transition>
     </mc:Choice>
-    <mc:Fallback xmlns="">
+    <mc:Fallback>
       <p:transition spd="slow">
         <p:fade/>
       </p:transition>
@@ -12826,6 +12050,708 @@
       </p:grpSpPr>
       <p:sp>
         <p:nvSpPr>
+          <p:cNvPr id="2" name="Rectangle 1">
+            <a:extLst>
+              <a:ext uri="{FF2B5EF4-FFF2-40B4-BE49-F238E27FC236}">
+                <a16:creationId xmlns:a16="http://schemas.microsoft.com/office/drawing/2014/main" id="{237BC9FB-1C74-4F21-9EDD-913D1A54F564}"/>
+              </a:ext>
+            </a:extLst>
+          </p:cNvPr>
+          <p:cNvSpPr/>
+          <p:nvPr/>
+        </p:nvSpPr>
+        <p:spPr>
+          <a:xfrm>
+            <a:off x="0" y="753034"/>
+            <a:ext cx="9144000" cy="4390466"/>
+          </a:xfrm>
+          <a:prstGeom prst="rect">
+            <a:avLst/>
+          </a:prstGeom>
+          <a:solidFill>
+            <a:srgbClr val="000000"/>
+          </a:solidFill>
+        </p:spPr>
+        <p:style>
+          <a:lnRef idx="2">
+            <a:schemeClr val="dk1">
+              <a:shade val="50000"/>
+            </a:schemeClr>
+          </a:lnRef>
+          <a:fillRef idx="1">
+            <a:schemeClr val="dk1"/>
+          </a:fillRef>
+          <a:effectRef idx="0">
+            <a:schemeClr val="dk1"/>
+          </a:effectRef>
+          <a:fontRef idx="minor">
+            <a:schemeClr val="lt1"/>
+          </a:fontRef>
+        </p:style>
+        <p:txBody>
+          <a:bodyPr rtlCol="0" anchor="t"/>
+          <a:lstStyle/>
+          <a:p>
+            <a:endParaRPr lang="en-US" sz="1500" b="0" dirty="0">
+              <a:solidFill>
+                <a:srgbClr val="F97583"/>
+              </a:solidFill>
+              <a:effectLst/>
+              <a:latin typeface="Consolas" panose="020B0609020204030204" pitchFamily="49" charset="0"/>
+            </a:endParaRPr>
+          </a:p>
+          <a:p>
+            <a:endParaRPr lang="en-US" sz="1800" b="0" dirty="0">
+              <a:solidFill>
+                <a:srgbClr val="E1E4E8"/>
+              </a:solidFill>
+              <a:effectLst/>
+              <a:latin typeface="Consolas" panose="020B0609020204030204" pitchFamily="49" charset="0"/>
+            </a:endParaRPr>
+          </a:p>
+          <a:p>
+            <a:br>
+              <a:rPr lang="en-US" sz="2400" b="0" dirty="0">
+                <a:solidFill>
+                  <a:srgbClr val="E1E4E8"/>
+                </a:solidFill>
+                <a:effectLst/>
+                <a:latin typeface="Consolas" panose="020B0609020204030204" pitchFamily="49" charset="0"/>
+              </a:rPr>
+            </a:br>
+            <a:r>
+              <a:rPr lang="en-US" sz="2000" b="0" dirty="0">
+                <a:solidFill>
+                  <a:srgbClr val="F97583"/>
+                </a:solidFill>
+                <a:effectLst/>
+                <a:latin typeface="Consolas" panose="020B0609020204030204" pitchFamily="49" charset="0"/>
+              </a:rPr>
+              <a:t>class</a:t>
+            </a:r>
+            <a:r>
+              <a:rPr lang="en-US" sz="2000" b="0" dirty="0">
+                <a:solidFill>
+                  <a:srgbClr val="E1E4E8"/>
+                </a:solidFill>
+                <a:effectLst/>
+                <a:latin typeface="Consolas" panose="020B0609020204030204" pitchFamily="49" charset="0"/>
+              </a:rPr>
+              <a:t> </a:t>
+            </a:r>
+            <a:r>
+              <a:rPr lang="en-US" sz="2000" b="0" dirty="0" err="1">
+                <a:solidFill>
+                  <a:srgbClr val="B392F0"/>
+                </a:solidFill>
+                <a:effectLst/>
+                <a:latin typeface="Consolas" panose="020B0609020204030204" pitchFamily="49" charset="0"/>
+              </a:rPr>
+              <a:t>myCallback</a:t>
+            </a:r>
+            <a:r>
+              <a:rPr lang="en-US" sz="2000" b="0" dirty="0">
+                <a:solidFill>
+                  <a:srgbClr val="E1E4E8"/>
+                </a:solidFill>
+                <a:effectLst/>
+                <a:latin typeface="Consolas" panose="020B0609020204030204" pitchFamily="49" charset="0"/>
+              </a:rPr>
+              <a:t>(</a:t>
+            </a:r>
+            <a:r>
+              <a:rPr lang="en-US" sz="2000" b="0" dirty="0" err="1">
+                <a:solidFill>
+                  <a:srgbClr val="B392F0"/>
+                </a:solidFill>
+                <a:effectLst/>
+                <a:latin typeface="Consolas" panose="020B0609020204030204" pitchFamily="49" charset="0"/>
+              </a:rPr>
+              <a:t>tf</a:t>
+            </a:r>
+            <a:r>
+              <a:rPr lang="en-US" sz="2000" b="0" dirty="0" err="1">
+                <a:solidFill>
+                  <a:srgbClr val="E1E4E8"/>
+                </a:solidFill>
+                <a:effectLst/>
+                <a:latin typeface="Consolas" panose="020B0609020204030204" pitchFamily="49" charset="0"/>
+              </a:rPr>
+              <a:t>.</a:t>
+            </a:r>
+            <a:r>
+              <a:rPr lang="en-US" sz="2000" b="0" dirty="0" err="1">
+                <a:solidFill>
+                  <a:srgbClr val="B392F0"/>
+                </a:solidFill>
+                <a:effectLst/>
+                <a:latin typeface="Consolas" panose="020B0609020204030204" pitchFamily="49" charset="0"/>
+              </a:rPr>
+              <a:t>keras</a:t>
+            </a:r>
+            <a:r>
+              <a:rPr lang="en-US" sz="2000" b="0" dirty="0" err="1">
+                <a:solidFill>
+                  <a:srgbClr val="E1E4E8"/>
+                </a:solidFill>
+                <a:effectLst/>
+                <a:latin typeface="Consolas" panose="020B0609020204030204" pitchFamily="49" charset="0"/>
+              </a:rPr>
+              <a:t>.</a:t>
+            </a:r>
+            <a:r>
+              <a:rPr lang="en-US" sz="2000" b="0" dirty="0" err="1">
+                <a:solidFill>
+                  <a:srgbClr val="B392F0"/>
+                </a:solidFill>
+                <a:effectLst/>
+                <a:latin typeface="Consolas" panose="020B0609020204030204" pitchFamily="49" charset="0"/>
+              </a:rPr>
+              <a:t>callbacks</a:t>
+            </a:r>
+            <a:r>
+              <a:rPr lang="en-US" sz="2000" b="0" dirty="0" err="1">
+                <a:solidFill>
+                  <a:srgbClr val="E1E4E8"/>
+                </a:solidFill>
+                <a:effectLst/>
+                <a:latin typeface="Consolas" panose="020B0609020204030204" pitchFamily="49" charset="0"/>
+              </a:rPr>
+              <a:t>.</a:t>
+            </a:r>
+            <a:r>
+              <a:rPr lang="en-US" sz="2000" b="0" dirty="0" err="1">
+                <a:solidFill>
+                  <a:srgbClr val="B392F0"/>
+                </a:solidFill>
+                <a:effectLst/>
+                <a:latin typeface="Consolas" panose="020B0609020204030204" pitchFamily="49" charset="0"/>
+              </a:rPr>
+              <a:t>Callback</a:t>
+            </a:r>
+            <a:r>
+              <a:rPr lang="en-US" sz="2000" b="0" dirty="0">
+                <a:solidFill>
+                  <a:srgbClr val="E1E4E8"/>
+                </a:solidFill>
+                <a:effectLst/>
+                <a:latin typeface="Consolas" panose="020B0609020204030204" pitchFamily="49" charset="0"/>
+              </a:rPr>
+              <a:t>):</a:t>
+            </a:r>
+          </a:p>
+          <a:p>
+            <a:r>
+              <a:rPr lang="en-US" sz="2000" b="0" dirty="0">
+                <a:solidFill>
+                  <a:srgbClr val="E1E4E8"/>
+                </a:solidFill>
+                <a:effectLst/>
+                <a:latin typeface="Consolas" panose="020B0609020204030204" pitchFamily="49" charset="0"/>
+              </a:rPr>
+              <a:t>  </a:t>
+            </a:r>
+            <a:r>
+              <a:rPr lang="en-US" sz="2000" b="0" dirty="0">
+                <a:solidFill>
+                  <a:srgbClr val="F97583"/>
+                </a:solidFill>
+                <a:effectLst/>
+                <a:latin typeface="Consolas" panose="020B0609020204030204" pitchFamily="49" charset="0"/>
+              </a:rPr>
+              <a:t>def</a:t>
+            </a:r>
+            <a:r>
+              <a:rPr lang="en-US" sz="2000" b="0" dirty="0">
+                <a:solidFill>
+                  <a:srgbClr val="E1E4E8"/>
+                </a:solidFill>
+                <a:effectLst/>
+                <a:latin typeface="Consolas" panose="020B0609020204030204" pitchFamily="49" charset="0"/>
+              </a:rPr>
+              <a:t> </a:t>
+            </a:r>
+            <a:r>
+              <a:rPr lang="en-US" sz="2000" b="0" dirty="0" err="1">
+                <a:solidFill>
+                  <a:srgbClr val="B392F0"/>
+                </a:solidFill>
+                <a:effectLst/>
+                <a:latin typeface="Consolas" panose="020B0609020204030204" pitchFamily="49" charset="0"/>
+              </a:rPr>
+              <a:t>on_epoch_end</a:t>
+            </a:r>
+            <a:r>
+              <a:rPr lang="en-US" sz="2000" b="0" dirty="0">
+                <a:solidFill>
+                  <a:srgbClr val="E1E4E8"/>
+                </a:solidFill>
+                <a:effectLst/>
+                <a:latin typeface="Consolas" panose="020B0609020204030204" pitchFamily="49" charset="0"/>
+              </a:rPr>
+              <a:t>(self, epoch, logs</a:t>
+            </a:r>
+            <a:r>
+              <a:rPr lang="en-US" sz="2000" b="0" dirty="0">
+                <a:solidFill>
+                  <a:srgbClr val="F97583"/>
+                </a:solidFill>
+                <a:effectLst/>
+                <a:latin typeface="Consolas" panose="020B0609020204030204" pitchFamily="49" charset="0"/>
+              </a:rPr>
+              <a:t>=</a:t>
+            </a:r>
+            <a:r>
+              <a:rPr lang="en-US" sz="2000" b="0" dirty="0">
+                <a:solidFill>
+                  <a:srgbClr val="E1E4E8"/>
+                </a:solidFill>
+                <a:effectLst/>
+                <a:latin typeface="Consolas" panose="020B0609020204030204" pitchFamily="49" charset="0"/>
+              </a:rPr>
+              <a:t>{}):</a:t>
+            </a:r>
+          </a:p>
+          <a:p>
+            <a:r>
+              <a:rPr lang="en-US" sz="2000" b="0" dirty="0">
+                <a:solidFill>
+                  <a:srgbClr val="E1E4E8"/>
+                </a:solidFill>
+                <a:effectLst/>
+                <a:latin typeface="Consolas" panose="020B0609020204030204" pitchFamily="49" charset="0"/>
+              </a:rPr>
+              <a:t>    </a:t>
+            </a:r>
+            <a:r>
+              <a:rPr lang="en-US" sz="2000" b="0" dirty="0">
+                <a:solidFill>
+                  <a:srgbClr val="F97583"/>
+                </a:solidFill>
+                <a:effectLst/>
+                <a:latin typeface="Consolas" panose="020B0609020204030204" pitchFamily="49" charset="0"/>
+              </a:rPr>
+              <a:t>if</a:t>
+            </a:r>
+            <a:r>
+              <a:rPr lang="en-US" sz="2000" b="0" dirty="0">
+                <a:solidFill>
+                  <a:srgbClr val="E1E4E8"/>
+                </a:solidFill>
+                <a:effectLst/>
+                <a:latin typeface="Consolas" panose="020B0609020204030204" pitchFamily="49" charset="0"/>
+              </a:rPr>
+              <a:t>(</a:t>
+            </a:r>
+            <a:r>
+              <a:rPr lang="en-US" sz="2000" b="0" dirty="0" err="1">
+                <a:solidFill>
+                  <a:srgbClr val="E1E4E8"/>
+                </a:solidFill>
+                <a:effectLst/>
+                <a:latin typeface="Consolas" panose="020B0609020204030204" pitchFamily="49" charset="0"/>
+              </a:rPr>
+              <a:t>logs.get</a:t>
+            </a:r>
+            <a:r>
+              <a:rPr lang="en-US" sz="2000" b="0" dirty="0">
+                <a:solidFill>
+                  <a:srgbClr val="E1E4E8"/>
+                </a:solidFill>
+                <a:effectLst/>
+                <a:latin typeface="Consolas" panose="020B0609020204030204" pitchFamily="49" charset="0"/>
+              </a:rPr>
+              <a:t>(</a:t>
+            </a:r>
+            <a:r>
+              <a:rPr lang="en-US" sz="2000" b="0" dirty="0">
+                <a:solidFill>
+                  <a:srgbClr val="9ECBFF"/>
+                </a:solidFill>
+                <a:effectLst/>
+                <a:latin typeface="Consolas" panose="020B0609020204030204" pitchFamily="49" charset="0"/>
+              </a:rPr>
+              <a:t>'accuracy'</a:t>
+            </a:r>
+            <a:r>
+              <a:rPr lang="en-US" sz="2000" b="0" dirty="0">
+                <a:solidFill>
+                  <a:srgbClr val="E1E4E8"/>
+                </a:solidFill>
+                <a:effectLst/>
+                <a:latin typeface="Consolas" panose="020B0609020204030204" pitchFamily="49" charset="0"/>
+              </a:rPr>
+              <a:t>)</a:t>
+            </a:r>
+            <a:r>
+              <a:rPr lang="en-US" sz="2000" b="0" dirty="0">
+                <a:solidFill>
+                  <a:srgbClr val="F97583"/>
+                </a:solidFill>
+                <a:effectLst/>
+                <a:latin typeface="Consolas" panose="020B0609020204030204" pitchFamily="49" charset="0"/>
+              </a:rPr>
+              <a:t>&gt;</a:t>
+            </a:r>
+            <a:r>
+              <a:rPr lang="en-US" sz="2000" b="0" dirty="0">
+                <a:solidFill>
+                  <a:srgbClr val="79B8FF"/>
+                </a:solidFill>
+                <a:effectLst/>
+                <a:latin typeface="Consolas" panose="020B0609020204030204" pitchFamily="49" charset="0"/>
+              </a:rPr>
+              <a:t>0.9</a:t>
+            </a:r>
+            <a:r>
+              <a:rPr lang="en-US" sz="2000" b="0" dirty="0">
+                <a:solidFill>
+                  <a:srgbClr val="E1E4E8"/>
+                </a:solidFill>
+                <a:effectLst/>
+                <a:latin typeface="Consolas" panose="020B0609020204030204" pitchFamily="49" charset="0"/>
+              </a:rPr>
+              <a:t>):</a:t>
+            </a:r>
+          </a:p>
+          <a:p>
+            <a:r>
+              <a:rPr lang="en-US" sz="2000" b="0" dirty="0">
+                <a:solidFill>
+                  <a:srgbClr val="E1E4E8"/>
+                </a:solidFill>
+                <a:effectLst/>
+                <a:latin typeface="Consolas" panose="020B0609020204030204" pitchFamily="49" charset="0"/>
+              </a:rPr>
+              <a:t>      </a:t>
+            </a:r>
+            <a:r>
+              <a:rPr lang="en-US" sz="2000" b="0" dirty="0">
+                <a:solidFill>
+                  <a:srgbClr val="79B8FF"/>
+                </a:solidFill>
+                <a:effectLst/>
+                <a:latin typeface="Consolas" panose="020B0609020204030204" pitchFamily="49" charset="0"/>
+              </a:rPr>
+              <a:t>print</a:t>
+            </a:r>
+            <a:r>
+              <a:rPr lang="en-US" sz="2000" b="0" dirty="0">
+                <a:solidFill>
+                  <a:srgbClr val="E1E4E8"/>
+                </a:solidFill>
+                <a:effectLst/>
+                <a:latin typeface="Consolas" panose="020B0609020204030204" pitchFamily="49" charset="0"/>
+              </a:rPr>
+              <a:t>(</a:t>
+            </a:r>
+            <a:r>
+              <a:rPr lang="en-US" sz="2000" b="0" dirty="0">
+                <a:solidFill>
+                  <a:srgbClr val="9ECBFF"/>
+                </a:solidFill>
+                <a:effectLst/>
+                <a:latin typeface="Consolas" panose="020B0609020204030204" pitchFamily="49" charset="0"/>
+              </a:rPr>
+              <a:t>"</a:t>
+            </a:r>
+            <a:r>
+              <a:rPr lang="en-US" sz="2000" b="0" dirty="0">
+                <a:solidFill>
+                  <a:srgbClr val="79B8FF"/>
+                </a:solidFill>
+                <a:effectLst/>
+                <a:latin typeface="Consolas" panose="020B0609020204030204" pitchFamily="49" charset="0"/>
+              </a:rPr>
+              <a:t>\</a:t>
+            </a:r>
+            <a:r>
+              <a:rPr lang="en-US" sz="2000" b="0" dirty="0" err="1">
+                <a:solidFill>
+                  <a:srgbClr val="79B8FF"/>
+                </a:solidFill>
+                <a:effectLst/>
+                <a:latin typeface="Consolas" panose="020B0609020204030204" pitchFamily="49" charset="0"/>
+              </a:rPr>
+              <a:t>n</a:t>
+            </a:r>
+            <a:r>
+              <a:rPr lang="en-US" sz="2000" b="0" dirty="0" err="1">
+                <a:solidFill>
+                  <a:srgbClr val="9ECBFF"/>
+                </a:solidFill>
+                <a:effectLst/>
+                <a:latin typeface="Consolas" panose="020B0609020204030204" pitchFamily="49" charset="0"/>
+              </a:rPr>
+              <a:t>Reached</a:t>
+            </a:r>
+            <a:r>
+              <a:rPr lang="en-US" sz="2000" b="0" dirty="0">
+                <a:solidFill>
+                  <a:srgbClr val="9ECBFF"/>
+                </a:solidFill>
+                <a:effectLst/>
+                <a:latin typeface="Consolas" panose="020B0609020204030204" pitchFamily="49" charset="0"/>
+              </a:rPr>
+              <a:t> 90</a:t>
+            </a:r>
+            <a:r>
+              <a:rPr lang="en-US" sz="2000" b="0" dirty="0">
+                <a:solidFill>
+                  <a:srgbClr val="79B8FF"/>
+                </a:solidFill>
+                <a:effectLst/>
+                <a:latin typeface="Consolas" panose="020B0609020204030204" pitchFamily="49" charset="0"/>
+              </a:rPr>
+              <a:t>% a</a:t>
+            </a:r>
+            <a:r>
+              <a:rPr lang="en-US" sz="2000" b="0" dirty="0">
+                <a:solidFill>
+                  <a:srgbClr val="9ECBFF"/>
+                </a:solidFill>
+                <a:effectLst/>
+                <a:latin typeface="Consolas" panose="020B0609020204030204" pitchFamily="49" charset="0"/>
+              </a:rPr>
+              <a:t>ccuracy so cancelling training!"</a:t>
+            </a:r>
+            <a:r>
+              <a:rPr lang="en-US" sz="2000" b="0" dirty="0">
+                <a:solidFill>
+                  <a:srgbClr val="E1E4E8"/>
+                </a:solidFill>
+                <a:effectLst/>
+                <a:latin typeface="Consolas" panose="020B0609020204030204" pitchFamily="49" charset="0"/>
+              </a:rPr>
+              <a:t>)</a:t>
+            </a:r>
+          </a:p>
+          <a:p>
+            <a:r>
+              <a:rPr lang="en-US" sz="2000" b="0" dirty="0">
+                <a:solidFill>
+                  <a:srgbClr val="E1E4E8"/>
+                </a:solidFill>
+                <a:effectLst/>
+                <a:latin typeface="Consolas" panose="020B0609020204030204" pitchFamily="49" charset="0"/>
+              </a:rPr>
+              <a:t>      </a:t>
+            </a:r>
+            <a:r>
+              <a:rPr lang="en-US" sz="2000" b="0" dirty="0" err="1">
+                <a:solidFill>
+                  <a:srgbClr val="79B8FF"/>
+                </a:solidFill>
+                <a:effectLst/>
+                <a:latin typeface="Consolas" panose="020B0609020204030204" pitchFamily="49" charset="0"/>
+              </a:rPr>
+              <a:t>self</a:t>
+            </a:r>
+            <a:r>
+              <a:rPr lang="en-US" sz="2000" b="0" dirty="0" err="1">
+                <a:solidFill>
+                  <a:srgbClr val="E1E4E8"/>
+                </a:solidFill>
+                <a:effectLst/>
+                <a:latin typeface="Consolas" panose="020B0609020204030204" pitchFamily="49" charset="0"/>
+              </a:rPr>
+              <a:t>.model.stop_training</a:t>
+            </a:r>
+            <a:r>
+              <a:rPr lang="en-US" sz="2000" b="0" dirty="0">
+                <a:solidFill>
+                  <a:srgbClr val="E1E4E8"/>
+                </a:solidFill>
+                <a:effectLst/>
+                <a:latin typeface="Consolas" panose="020B0609020204030204" pitchFamily="49" charset="0"/>
+              </a:rPr>
+              <a:t> </a:t>
+            </a:r>
+            <a:r>
+              <a:rPr lang="en-US" sz="2000" b="0" dirty="0">
+                <a:solidFill>
+                  <a:srgbClr val="F97583"/>
+                </a:solidFill>
+                <a:effectLst/>
+                <a:latin typeface="Consolas" panose="020B0609020204030204" pitchFamily="49" charset="0"/>
+              </a:rPr>
+              <a:t>=</a:t>
+            </a:r>
+            <a:r>
+              <a:rPr lang="en-US" sz="2000" b="0" dirty="0">
+                <a:solidFill>
+                  <a:srgbClr val="E1E4E8"/>
+                </a:solidFill>
+                <a:effectLst/>
+                <a:latin typeface="Consolas" panose="020B0609020204030204" pitchFamily="49" charset="0"/>
+              </a:rPr>
+              <a:t> </a:t>
+            </a:r>
+            <a:r>
+              <a:rPr lang="en-US" sz="2000" b="0" dirty="0">
+                <a:solidFill>
+                  <a:srgbClr val="79B8FF"/>
+                </a:solidFill>
+                <a:effectLst/>
+                <a:latin typeface="Consolas" panose="020B0609020204030204" pitchFamily="49" charset="0"/>
+              </a:rPr>
+              <a:t>True</a:t>
+            </a:r>
+          </a:p>
+          <a:p>
+            <a:endParaRPr lang="en-US" sz="2800" b="0" dirty="0">
+              <a:solidFill>
+                <a:srgbClr val="E1E4E8"/>
+              </a:solidFill>
+              <a:effectLst/>
+              <a:latin typeface="Consolas" panose="020B0609020204030204" pitchFamily="49" charset="0"/>
+            </a:endParaRPr>
+          </a:p>
+          <a:p>
+            <a:r>
+              <a:rPr lang="en-US" sz="2000" b="0" dirty="0" err="1">
+                <a:solidFill>
+                  <a:srgbClr val="E1E4E8"/>
+                </a:solidFill>
+                <a:effectLst/>
+                <a:latin typeface="Consolas" panose="020B0609020204030204" pitchFamily="49" charset="0"/>
+              </a:rPr>
+              <a:t>model.fit</a:t>
+            </a:r>
+            <a:r>
+              <a:rPr lang="en-US" sz="2000" b="0" dirty="0">
+                <a:solidFill>
+                  <a:srgbClr val="E1E4E8"/>
+                </a:solidFill>
+                <a:effectLst/>
+                <a:latin typeface="Consolas" panose="020B0609020204030204" pitchFamily="49" charset="0"/>
+              </a:rPr>
+              <a:t>(</a:t>
+            </a:r>
+            <a:r>
+              <a:rPr lang="en-US" sz="2000" b="0" dirty="0" err="1">
+                <a:solidFill>
+                  <a:srgbClr val="E1E4E8"/>
+                </a:solidFill>
+                <a:effectLst/>
+                <a:latin typeface="Consolas" panose="020B0609020204030204" pitchFamily="49" charset="0"/>
+              </a:rPr>
+              <a:t>x_train</a:t>
+            </a:r>
+            <a:r>
+              <a:rPr lang="en-US" sz="2000" b="0" dirty="0">
+                <a:solidFill>
+                  <a:srgbClr val="E1E4E8"/>
+                </a:solidFill>
+                <a:effectLst/>
+                <a:latin typeface="Consolas" panose="020B0609020204030204" pitchFamily="49" charset="0"/>
+              </a:rPr>
+              <a:t>, </a:t>
+            </a:r>
+            <a:r>
+              <a:rPr lang="en-US" sz="2000" b="0" dirty="0" err="1">
+                <a:solidFill>
+                  <a:srgbClr val="E1E4E8"/>
+                </a:solidFill>
+                <a:effectLst/>
+                <a:latin typeface="Consolas" panose="020B0609020204030204" pitchFamily="49" charset="0"/>
+              </a:rPr>
+              <a:t>y_train</a:t>
+            </a:r>
+            <a:r>
+              <a:rPr lang="en-US" sz="2000" b="0" dirty="0">
+                <a:solidFill>
+                  <a:srgbClr val="E1E4E8"/>
+                </a:solidFill>
+                <a:effectLst/>
+                <a:latin typeface="Consolas" panose="020B0609020204030204" pitchFamily="49" charset="0"/>
+              </a:rPr>
+              <a:t>, </a:t>
+            </a:r>
+            <a:r>
+              <a:rPr lang="en-US" sz="2000" b="0" dirty="0">
+                <a:solidFill>
+                  <a:srgbClr val="FFAB70"/>
+                </a:solidFill>
+                <a:effectLst/>
+                <a:latin typeface="Consolas" panose="020B0609020204030204" pitchFamily="49" charset="0"/>
+              </a:rPr>
+              <a:t>epochs</a:t>
+            </a:r>
+            <a:r>
+              <a:rPr lang="en-US" sz="2000" b="0" dirty="0">
+                <a:solidFill>
+                  <a:srgbClr val="F97583"/>
+                </a:solidFill>
+                <a:effectLst/>
+                <a:latin typeface="Consolas" panose="020B0609020204030204" pitchFamily="49" charset="0"/>
+              </a:rPr>
+              <a:t>=</a:t>
+            </a:r>
+            <a:r>
+              <a:rPr lang="en-US" sz="2000" b="0" dirty="0">
+                <a:solidFill>
+                  <a:srgbClr val="79B8FF"/>
+                </a:solidFill>
+                <a:effectLst/>
+                <a:latin typeface="Consolas" panose="020B0609020204030204" pitchFamily="49" charset="0"/>
+              </a:rPr>
+              <a:t>10</a:t>
+            </a:r>
+            <a:r>
+              <a:rPr lang="en-US" sz="2000" b="0" dirty="0">
+                <a:solidFill>
+                  <a:srgbClr val="E1E4E8"/>
+                </a:solidFill>
+                <a:effectLst/>
+                <a:latin typeface="Consolas" panose="020B0609020204030204" pitchFamily="49" charset="0"/>
+              </a:rPr>
+              <a:t>, </a:t>
+            </a:r>
+            <a:r>
+              <a:rPr lang="en-US" sz="2000" b="0" dirty="0">
+                <a:solidFill>
+                  <a:srgbClr val="FFAB70"/>
+                </a:solidFill>
+                <a:effectLst/>
+                <a:latin typeface="Consolas" panose="020B0609020204030204" pitchFamily="49" charset="0"/>
+              </a:rPr>
+              <a:t>callbacks</a:t>
+            </a:r>
+            <a:r>
+              <a:rPr lang="en-US" sz="2000" b="0" dirty="0">
+                <a:solidFill>
+                  <a:srgbClr val="F97583"/>
+                </a:solidFill>
+                <a:effectLst/>
+                <a:latin typeface="Consolas" panose="020B0609020204030204" pitchFamily="49" charset="0"/>
+              </a:rPr>
+              <a:t>=</a:t>
+            </a:r>
+            <a:r>
+              <a:rPr lang="en-US" sz="2000" b="0" dirty="0">
+                <a:solidFill>
+                  <a:srgbClr val="E1E4E8"/>
+                </a:solidFill>
+                <a:effectLst/>
+                <a:latin typeface="Consolas" panose="020B0609020204030204" pitchFamily="49" charset="0"/>
+              </a:rPr>
+              <a:t>[callbacks])</a:t>
+            </a:r>
+          </a:p>
+          <a:p>
+            <a:endParaRPr lang="en-US" sz="2000" b="0" dirty="0">
+              <a:solidFill>
+                <a:srgbClr val="E1E4E8"/>
+              </a:solidFill>
+              <a:effectLst/>
+              <a:latin typeface="Consolas" panose="020B0609020204030204" pitchFamily="49" charset="0"/>
+            </a:endParaRPr>
+          </a:p>
+        </p:txBody>
+      </p:sp>
+      <p:sp>
+        <p:nvSpPr>
           <p:cNvPr id="112" name="Google Shape;112;p17"/>
           <p:cNvSpPr txBox="1">
             <a:spLocks noGrp="1"/>
@@ -12863,6 +12789,58 @@
               <a:t>14</a:t>
             </a:fld>
             <a:endParaRPr/>
+          </a:p>
+        </p:txBody>
+      </p:sp>
+      <p:sp>
+        <p:nvSpPr>
+          <p:cNvPr id="3" name="Rectangle 2">
+            <a:extLst>
+              <a:ext uri="{FF2B5EF4-FFF2-40B4-BE49-F238E27FC236}">
+                <a16:creationId xmlns:a16="http://schemas.microsoft.com/office/drawing/2014/main" id="{11DA7E4E-F7F9-4580-AD19-4F85028C25B1}"/>
+              </a:ext>
+            </a:extLst>
+          </p:cNvPr>
+          <p:cNvSpPr/>
+          <p:nvPr/>
+        </p:nvSpPr>
+        <p:spPr>
+          <a:xfrm>
+            <a:off x="0" y="0"/>
+            <a:ext cx="9144000" cy="753035"/>
+          </a:xfrm>
+          <a:prstGeom prst="rect">
+            <a:avLst/>
+          </a:prstGeom>
+        </p:spPr>
+        <p:style>
+          <a:lnRef idx="0">
+            <a:schemeClr val="accent5"/>
+          </a:lnRef>
+          <a:fillRef idx="3">
+            <a:schemeClr val="accent5"/>
+          </a:fillRef>
+          <a:effectRef idx="3">
+            <a:schemeClr val="accent5"/>
+          </a:effectRef>
+          <a:fontRef idx="minor">
+            <a:schemeClr val="lt1"/>
+          </a:fontRef>
+        </p:style>
+        <p:txBody>
+          <a:bodyPr rtlCol="0" anchor="ctr"/>
+          <a:lstStyle/>
+          <a:p>
+            <a:pPr algn="ctr"/>
+            <a:r>
+              <a:rPr lang="en-US" sz="3200" b="1" dirty="0">
+                <a:solidFill>
+                  <a:schemeClr val="tx1"/>
+                </a:solidFill>
+                <a:latin typeface="Exo 2" charset="0"/>
+              </a:rPr>
+              <a:t>Callbacks Function</a:t>
+            </a:r>
           </a:p>
         </p:txBody>
       </p:sp>
@@ -12888,8 +12866,8 @@
         </p:blipFill>
         <p:spPr>
           <a:xfrm>
-            <a:off x="8310872" y="172123"/>
-            <a:ext cx="580912" cy="580912"/>
+            <a:off x="8404384" y="160233"/>
+            <a:ext cx="487400" cy="487400"/>
           </a:xfrm>
           <a:prstGeom prst="rect">
             <a:avLst/>
@@ -12929,7 +12907,7 @@
     </p:spTree>
     <p:extLst>
       <p:ext uri="{BB962C8B-B14F-4D97-AF65-F5344CB8AC3E}">
-        <p14:creationId xmlns:p14="http://schemas.microsoft.com/office/powerpoint/2010/main" val="396166822"/>
+        <p14:creationId xmlns:p14="http://schemas.microsoft.com/office/powerpoint/2010/main" val="2168407256"/>
       </p:ext>
     </p:extLst>
   </p:cSld>
@@ -12937,9 +12915,9 @@
     <a:masterClrMapping/>
   </p:clrMapOvr>
   <mc:AlternateContent xmlns:mc="http://schemas.openxmlformats.org/markup-compatibility/2006">
-    <mc:Choice xmlns:p15="http://schemas.microsoft.com/office/powerpoint/2012/main" Requires="p15">
-      <p:transition xmlns:p14="http://schemas.microsoft.com/office/powerpoint/2010/main" spd="slow" p14:dur="1250">
-        <p15:prstTrans prst="pageCurlSingle"/>
+    <mc:Choice xmlns:p159="http://schemas.microsoft.com/office/powerpoint/2015/09/main" Requires="p159">
+      <p:transition spd="slow">
+        <p159:morph option="byObject"/>
       </p:transition>
     </mc:Choice>
     <mc:Fallback>
@@ -12952,622 +12930,6 @@
 </file>
 
 <file path=ppt/slides/slide15.xml><?xml version="1.0" encoding="utf-8"?>
-<p:sld xmlns:a="http://schemas.openxmlformats.org/drawingml/2006/main" xmlns:r="http://schemas.openxmlformats.org/officeDocument/2006/relationships" xmlns:p="http://schemas.openxmlformats.org/presentationml/2006/main">
-  <p:cSld>
-    <p:spTree>
-      <p:nvGrpSpPr>
-        <p:cNvPr id="1" name="Shape 96"/>
-        <p:cNvGrpSpPr/>
-        <p:nvPr/>
-      </p:nvGrpSpPr>
-      <p:grpSpPr>
-        <a:xfrm>
-          <a:off x="0" y="0"/>
-          <a:ext cx="0" cy="0"/>
-          <a:chOff x="0" y="0"/>
-          <a:chExt cx="0" cy="0"/>
-        </a:xfrm>
-      </p:grpSpPr>
-      <p:sp>
-        <p:nvSpPr>
-          <p:cNvPr id="21" name="Google Shape;557;p49">
-            <a:extLst>
-              <a:ext uri="{FF2B5EF4-FFF2-40B4-BE49-F238E27FC236}">
-                <a16:creationId xmlns:a16="http://schemas.microsoft.com/office/drawing/2014/main" id="{3BA81949-5D3F-44CE-9577-DD7A920B4D1C}"/>
-              </a:ext>
-            </a:extLst>
-          </p:cNvPr>
-          <p:cNvSpPr txBox="1">
-            <a:spLocks noGrp="1"/>
-          </p:cNvSpPr>
-          <p:nvPr>
-            <p:ph type="ctrTitle"/>
-          </p:nvPr>
-        </p:nvSpPr>
-        <p:spPr>
-          <a:xfrm flipH="1">
-            <a:off x="1698072" y="2178475"/>
-            <a:ext cx="5195700" cy="1921200"/>
-          </a:xfrm>
-          <a:prstGeom prst="rect">
-            <a:avLst/>
-          </a:prstGeom>
-        </p:spPr>
-        <p:txBody>
-          <a:bodyPr spcFirstLastPara="1" wrap="square" lIns="91425" tIns="91425" rIns="91425" bIns="91425" anchor="ctr" anchorCtr="0">
-            <a:noAutofit/>
-          </a:bodyPr>
-          <a:lstStyle/>
-          <a:p>
-            <a:pPr marL="0" lvl="0" indent="0" algn="r" rtl="0">
-              <a:spcBef>
-                <a:spcPts val="0"/>
-              </a:spcBef>
-              <a:spcAft>
-                <a:spcPts val="0"/>
-              </a:spcAft>
-              <a:buNone/>
-            </a:pPr>
-            <a:r>
-              <a:rPr lang="en-US" sz="3600">
-                <a:solidFill>
-                  <a:srgbClr val="0E78C0"/>
-                </a:solidFill>
-                <a:latin typeface="Exo 2" pitchFamily="2" charset="0"/>
-              </a:rPr>
-              <a:t>TITLE</a:t>
-            </a:r>
-            <a:endParaRPr sz="3600">
-              <a:solidFill>
-                <a:srgbClr val="0E78C0"/>
-              </a:solidFill>
-              <a:latin typeface="Exo 2" pitchFamily="2" charset="0"/>
-            </a:endParaRPr>
-          </a:p>
-        </p:txBody>
-      </p:sp>
-      <p:sp>
-        <p:nvSpPr>
-          <p:cNvPr id="22" name="Google Shape;558;p49">
-            <a:extLst>
-              <a:ext uri="{FF2B5EF4-FFF2-40B4-BE49-F238E27FC236}">
-                <a16:creationId xmlns:a16="http://schemas.microsoft.com/office/drawing/2014/main" id="{E9E985D9-EB6D-4264-AA52-13D16F9FE8A2}"/>
-              </a:ext>
-            </a:extLst>
-          </p:cNvPr>
-          <p:cNvSpPr txBox="1">
-            <a:spLocks/>
-          </p:cNvSpPr>
-          <p:nvPr/>
-        </p:nvSpPr>
-        <p:spPr>
-          <a:xfrm flipH="1">
-            <a:off x="3914472" y="1866650"/>
-            <a:ext cx="2979300" cy="754500"/>
-          </a:xfrm>
-          <a:prstGeom prst="rect">
-            <a:avLst/>
-          </a:prstGeom>
-        </p:spPr>
-        <p:txBody>
-          <a:bodyPr spcFirstLastPara="1" wrap="square" lIns="91425" tIns="91425" rIns="91425" bIns="91425" anchor="ctr" anchorCtr="0">
-            <a:noAutofit/>
-          </a:bodyPr>
-          <a:lstStyle>
-            <a:defPPr marR="0" lvl="0" algn="l" rtl="0">
-              <a:lnSpc>
-                <a:spcPct val="100000"/>
-              </a:lnSpc>
-              <a:spcBef>
-                <a:spcPts val="0"/>
-              </a:spcBef>
-              <a:spcAft>
-                <a:spcPts val="0"/>
-              </a:spcAft>
-            </a:defPPr>
-            <a:lvl1pPr marR="0" lvl="0" algn="l" rtl="0">
-              <a:lnSpc>
-                <a:spcPct val="100000"/>
-              </a:lnSpc>
-              <a:spcBef>
-                <a:spcPts val="0"/>
-              </a:spcBef>
-              <a:spcAft>
-                <a:spcPts val="0"/>
-              </a:spcAft>
-              <a:buClr>
-                <a:srgbClr val="000000"/>
-              </a:buClr>
-              <a:buFont typeface="Arial"/>
-              <a:defRPr sz="1400" b="0" i="0" u="none" strike="noStrike" cap="none">
-                <a:solidFill>
-                  <a:srgbClr val="000000"/>
-                </a:solidFill>
-                <a:latin typeface="Arial"/>
-                <a:ea typeface="Arial"/>
-                <a:cs typeface="Arial"/>
-                <a:sym typeface="Arial"/>
-              </a:defRPr>
-            </a:lvl1pPr>
-            <a:lvl2pPr marR="0" lvl="1" algn="l" rtl="0">
-              <a:lnSpc>
-                <a:spcPct val="100000"/>
-              </a:lnSpc>
-              <a:spcBef>
-                <a:spcPts val="0"/>
-              </a:spcBef>
-              <a:spcAft>
-                <a:spcPts val="0"/>
-              </a:spcAft>
-              <a:buClr>
-                <a:srgbClr val="000000"/>
-              </a:buClr>
-              <a:buFont typeface="Arial"/>
-              <a:defRPr sz="1400" b="0" i="0" u="none" strike="noStrike" cap="none">
-                <a:solidFill>
-                  <a:srgbClr val="000000"/>
-                </a:solidFill>
-                <a:latin typeface="Arial"/>
-                <a:ea typeface="Arial"/>
-                <a:cs typeface="Arial"/>
-                <a:sym typeface="Arial"/>
-              </a:defRPr>
-            </a:lvl2pPr>
-            <a:lvl3pPr marR="0" lvl="2" algn="l" rtl="0">
-              <a:lnSpc>
-                <a:spcPct val="100000"/>
-              </a:lnSpc>
-              <a:spcBef>
-                <a:spcPts val="0"/>
-              </a:spcBef>
-              <a:spcAft>
-                <a:spcPts val="0"/>
-              </a:spcAft>
-              <a:buClr>
-                <a:srgbClr val="000000"/>
-              </a:buClr>
-              <a:buFont typeface="Arial"/>
-              <a:defRPr sz="1400" b="0" i="0" u="none" strike="noStrike" cap="none">
-                <a:solidFill>
-                  <a:srgbClr val="000000"/>
-                </a:solidFill>
-                <a:latin typeface="Arial"/>
-                <a:ea typeface="Arial"/>
-                <a:cs typeface="Arial"/>
-                <a:sym typeface="Arial"/>
-              </a:defRPr>
-            </a:lvl3pPr>
-            <a:lvl4pPr marR="0" lvl="3" algn="l" rtl="0">
-              <a:lnSpc>
-                <a:spcPct val="100000"/>
-              </a:lnSpc>
-              <a:spcBef>
-                <a:spcPts val="0"/>
-              </a:spcBef>
-              <a:spcAft>
-                <a:spcPts val="0"/>
-              </a:spcAft>
-              <a:buClr>
-                <a:srgbClr val="000000"/>
-              </a:buClr>
-              <a:buFont typeface="Arial"/>
-              <a:defRPr sz="1400" b="0" i="0" u="none" strike="noStrike" cap="none">
-                <a:solidFill>
-                  <a:srgbClr val="000000"/>
-                </a:solidFill>
-                <a:latin typeface="Arial"/>
-                <a:ea typeface="Arial"/>
-                <a:cs typeface="Arial"/>
-                <a:sym typeface="Arial"/>
-              </a:defRPr>
-            </a:lvl4pPr>
-            <a:lvl5pPr marR="0" lvl="4" algn="l" rtl="0">
-              <a:lnSpc>
-                <a:spcPct val="100000"/>
-              </a:lnSpc>
-              <a:spcBef>
-                <a:spcPts val="0"/>
-              </a:spcBef>
-              <a:spcAft>
-                <a:spcPts val="0"/>
-              </a:spcAft>
-              <a:buClr>
-                <a:srgbClr val="000000"/>
-              </a:buClr>
-              <a:buFont typeface="Arial"/>
-              <a:defRPr sz="1400" b="0" i="0" u="none" strike="noStrike" cap="none">
-                <a:solidFill>
-                  <a:srgbClr val="000000"/>
-                </a:solidFill>
-                <a:latin typeface="Arial"/>
-                <a:ea typeface="Arial"/>
-                <a:cs typeface="Arial"/>
-                <a:sym typeface="Arial"/>
-              </a:defRPr>
-            </a:lvl5pPr>
-            <a:lvl6pPr marR="0" lvl="5" algn="l" rtl="0">
-              <a:lnSpc>
-                <a:spcPct val="100000"/>
-              </a:lnSpc>
-              <a:spcBef>
-                <a:spcPts val="0"/>
-              </a:spcBef>
-              <a:spcAft>
-                <a:spcPts val="0"/>
-              </a:spcAft>
-              <a:buClr>
-                <a:srgbClr val="000000"/>
-              </a:buClr>
-              <a:buFont typeface="Arial"/>
-              <a:defRPr sz="1400" b="0" i="0" u="none" strike="noStrike" cap="none">
-                <a:solidFill>
-                  <a:srgbClr val="000000"/>
-                </a:solidFill>
-                <a:latin typeface="Arial"/>
-                <a:ea typeface="Arial"/>
-                <a:cs typeface="Arial"/>
-                <a:sym typeface="Arial"/>
-              </a:defRPr>
-            </a:lvl6pPr>
-            <a:lvl7pPr marR="0" lvl="6" algn="l" rtl="0">
-              <a:lnSpc>
-                <a:spcPct val="100000"/>
-              </a:lnSpc>
-              <a:spcBef>
-                <a:spcPts val="0"/>
-              </a:spcBef>
-              <a:spcAft>
-                <a:spcPts val="0"/>
-              </a:spcAft>
-              <a:buClr>
-                <a:srgbClr val="000000"/>
-              </a:buClr>
-              <a:buFont typeface="Arial"/>
-              <a:defRPr sz="1400" b="0" i="0" u="none" strike="noStrike" cap="none">
-                <a:solidFill>
-                  <a:srgbClr val="000000"/>
-                </a:solidFill>
-                <a:latin typeface="Arial"/>
-                <a:ea typeface="Arial"/>
-                <a:cs typeface="Arial"/>
-                <a:sym typeface="Arial"/>
-              </a:defRPr>
-            </a:lvl7pPr>
-            <a:lvl8pPr marR="0" lvl="7" algn="l" rtl="0">
-              <a:lnSpc>
-                <a:spcPct val="100000"/>
-              </a:lnSpc>
-              <a:spcBef>
-                <a:spcPts val="0"/>
-              </a:spcBef>
-              <a:spcAft>
-                <a:spcPts val="0"/>
-              </a:spcAft>
-              <a:buClr>
-                <a:srgbClr val="000000"/>
-              </a:buClr>
-              <a:buFont typeface="Arial"/>
-              <a:defRPr sz="1400" b="0" i="0" u="none" strike="noStrike" cap="none">
-                <a:solidFill>
-                  <a:srgbClr val="000000"/>
-                </a:solidFill>
-                <a:latin typeface="Arial"/>
-                <a:ea typeface="Arial"/>
-                <a:cs typeface="Arial"/>
-                <a:sym typeface="Arial"/>
-              </a:defRPr>
-            </a:lvl8pPr>
-            <a:lvl9pPr marR="0" lvl="8" algn="l" rtl="0">
-              <a:lnSpc>
-                <a:spcPct val="100000"/>
-              </a:lnSpc>
-              <a:spcBef>
-                <a:spcPts val="0"/>
-              </a:spcBef>
-              <a:spcAft>
-                <a:spcPts val="0"/>
-              </a:spcAft>
-              <a:buClr>
-                <a:srgbClr val="000000"/>
-              </a:buClr>
-              <a:buFont typeface="Arial"/>
-              <a:defRPr sz="1400" b="0" i="0" u="none" strike="noStrike" cap="none">
-                <a:solidFill>
-                  <a:srgbClr val="000000"/>
-                </a:solidFill>
-                <a:latin typeface="Arial"/>
-                <a:ea typeface="Arial"/>
-                <a:cs typeface="Arial"/>
-                <a:sym typeface="Arial"/>
-              </a:defRPr>
-            </a:lvl9pPr>
-          </a:lstStyle>
-          <a:p>
-            <a:pPr algn="r"/>
-            <a:r>
-              <a:rPr lang="en" sz="9600" b="1">
-                <a:solidFill>
-                  <a:srgbClr val="0E78C0"/>
-                </a:solidFill>
-                <a:latin typeface="Exo 2" pitchFamily="2" charset="0"/>
-              </a:rPr>
-              <a:t>06</a:t>
-            </a:r>
-          </a:p>
-        </p:txBody>
-      </p:sp>
-      <p:cxnSp>
-        <p:nvCxnSpPr>
-          <p:cNvPr id="23" name="Google Shape;559;p49">
-            <a:extLst>
-              <a:ext uri="{FF2B5EF4-FFF2-40B4-BE49-F238E27FC236}">
-                <a16:creationId xmlns:a16="http://schemas.microsoft.com/office/drawing/2014/main" id="{4D92380D-36BE-407F-AEB9-EDE8B5858DAB}"/>
-              </a:ext>
-            </a:extLst>
-          </p:cNvPr>
-          <p:cNvCxnSpPr/>
-          <p:nvPr/>
-        </p:nvCxnSpPr>
-        <p:spPr>
-          <a:xfrm>
-            <a:off x="7015900" y="-35700"/>
-            <a:ext cx="0" cy="2382600"/>
-          </a:xfrm>
-          <a:prstGeom prst="straightConnector1">
-            <a:avLst/>
-          </a:prstGeom>
-          <a:noFill/>
-          <a:ln w="9525" cap="flat" cmpd="sng">
-            <a:solidFill>
-              <a:schemeClr val="dk2"/>
-            </a:solidFill>
-            <a:prstDash val="solid"/>
-            <a:round/>
-            <a:headEnd type="none" w="med" len="med"/>
-            <a:tailEnd type="none" w="med" len="med"/>
-          </a:ln>
-        </p:spPr>
-      </p:cxnSp>
-      <p:sp>
-        <p:nvSpPr>
-          <p:cNvPr id="24" name="Google Shape;560;p49">
-            <a:extLst>
-              <a:ext uri="{FF2B5EF4-FFF2-40B4-BE49-F238E27FC236}">
-                <a16:creationId xmlns:a16="http://schemas.microsoft.com/office/drawing/2014/main" id="{0A0507DE-D585-4454-911C-85CAF1AABA2C}"/>
-              </a:ext>
-            </a:extLst>
-          </p:cNvPr>
-          <p:cNvSpPr txBox="1">
-            <a:spLocks noGrp="1"/>
-          </p:cNvSpPr>
-          <p:nvPr>
-            <p:ph type="subTitle" idx="1"/>
-          </p:nvPr>
-        </p:nvSpPr>
-        <p:spPr>
-          <a:xfrm>
-            <a:off x="2668872" y="3476054"/>
-            <a:ext cx="4224900" cy="536700"/>
-          </a:xfrm>
-          <a:prstGeom prst="rect">
-            <a:avLst/>
-          </a:prstGeom>
-        </p:spPr>
-        <p:txBody>
-          <a:bodyPr spcFirstLastPara="1" wrap="square" lIns="91425" tIns="91425" rIns="91425" bIns="91425" anchor="t" anchorCtr="0">
-            <a:noAutofit/>
-          </a:bodyPr>
-          <a:lstStyle/>
-          <a:p>
-            <a:pPr marL="0" lvl="0" indent="0" algn="r" rtl="0">
-              <a:spcBef>
-                <a:spcPts val="0"/>
-              </a:spcBef>
-              <a:spcAft>
-                <a:spcPts val="0"/>
-              </a:spcAft>
-              <a:buNone/>
-            </a:pPr>
-            <a:r>
-              <a:rPr lang="en" sz="1600">
-                <a:latin typeface="Exo 2" pitchFamily="2" charset="0"/>
-              </a:rPr>
-              <a:t>You can enter here the subtitle if you need it</a:t>
-            </a:r>
-            <a:endParaRPr sz="1600">
-              <a:latin typeface="Exo 2" pitchFamily="2" charset="0"/>
-            </a:endParaRPr>
-          </a:p>
-        </p:txBody>
-      </p:sp>
-      <p:pic>
-        <p:nvPicPr>
-          <p:cNvPr id="25" name="Picture 24" descr="Icon&#10;&#10;Description automatically generated">
-            <a:extLst>
-              <a:ext uri="{FF2B5EF4-FFF2-40B4-BE49-F238E27FC236}">
-                <a16:creationId xmlns:a16="http://schemas.microsoft.com/office/drawing/2014/main" id="{0653633C-6136-4EBF-9BAB-363548F60A7A}"/>
-              </a:ext>
-            </a:extLst>
-          </p:cNvPr>
-          <p:cNvPicPr>
-            <a:picLocks noChangeAspect="1"/>
-          </p:cNvPicPr>
-          <p:nvPr/>
-        </p:nvPicPr>
-        <p:blipFill>
-          <a:blip r:embed="rId3"/>
-          <a:stretch>
-            <a:fillRect/>
-          </a:stretch>
-        </p:blipFill>
-        <p:spPr>
-          <a:xfrm>
-            <a:off x="8310872" y="172123"/>
-            <a:ext cx="580912" cy="580912"/>
-          </a:xfrm>
-          <a:prstGeom prst="rect">
-            <a:avLst/>
-          </a:prstGeom>
-        </p:spPr>
-      </p:pic>
-      <p:pic>
-        <p:nvPicPr>
-          <p:cNvPr id="26" name="Picture 25" descr="Icon&#10;&#10;Description automatically generated">
-            <a:extLst>
-              <a:ext uri="{FF2B5EF4-FFF2-40B4-BE49-F238E27FC236}">
-                <a16:creationId xmlns:a16="http://schemas.microsoft.com/office/drawing/2014/main" id="{7B70DF81-B81E-4CBE-90E3-534714FA9C0C}"/>
-              </a:ext>
-            </a:extLst>
-          </p:cNvPr>
-          <p:cNvPicPr>
-            <a:picLocks noChangeAspect="1"/>
-          </p:cNvPicPr>
-          <p:nvPr/>
-        </p:nvPicPr>
-        <p:blipFill>
-          <a:blip r:embed="rId4"/>
-          <a:stretch>
-            <a:fillRect/>
-          </a:stretch>
-        </p:blipFill>
-        <p:spPr>
-          <a:xfrm>
-            <a:off x="252216" y="172123"/>
-            <a:ext cx="884084" cy="475510"/>
-          </a:xfrm>
-          <a:prstGeom prst="rect">
-            <a:avLst/>
-          </a:prstGeom>
-        </p:spPr>
-      </p:pic>
-    </p:spTree>
-    <p:extLst>
-      <p:ext uri="{BB962C8B-B14F-4D97-AF65-F5344CB8AC3E}">
-        <p14:creationId xmlns:p14="http://schemas.microsoft.com/office/powerpoint/2010/main" val="3534404661"/>
-      </p:ext>
-    </p:extLst>
-  </p:cSld>
-  <p:clrMapOvr>
-    <a:masterClrMapping/>
-  </p:clrMapOvr>
-  <mc:AlternateContent xmlns:mc="http://schemas.openxmlformats.org/markup-compatibility/2006" xmlns:p15="http://schemas.microsoft.com/office/powerpoint/2012/main">
-    <mc:Choice Requires="p15">
-      <p:transition xmlns:p14="http://schemas.microsoft.com/office/powerpoint/2010/main" spd="slow" p14:dur="1250">
-        <p15:prstTrans prst="pageCurlSingle"/>
-      </p:transition>
-    </mc:Choice>
-    <mc:Fallback xmlns="">
-      <p:transition spd="slow">
-        <p:fade/>
-      </p:transition>
-    </mc:Fallback>
-  </mc:AlternateContent>
-</p:sld>
-</file>
-
-<file path=ppt/slides/slide16.xml><?xml version="1.0" encoding="utf-8"?>
-<p:sld xmlns:a="http://schemas.openxmlformats.org/drawingml/2006/main" xmlns:r="http://schemas.openxmlformats.org/officeDocument/2006/relationships" xmlns:p="http://schemas.openxmlformats.org/presentationml/2006/main">
-  <p:cSld>
-    <p:spTree>
-      <p:nvGrpSpPr>
-        <p:cNvPr id="1" name="Shape 103"/>
-        <p:cNvGrpSpPr/>
-        <p:nvPr/>
-      </p:nvGrpSpPr>
-      <p:grpSpPr>
-        <a:xfrm>
-          <a:off x="0" y="0"/>
-          <a:ext cx="0" cy="0"/>
-          <a:chOff x="0" y="0"/>
-          <a:chExt cx="0" cy="0"/>
-        </a:xfrm>
-      </p:grpSpPr>
-      <p:pic>
-        <p:nvPicPr>
-          <p:cNvPr id="6" name="Picture 5" descr="Icon&#10;&#10;Description automatically generated">
-            <a:extLst>
-              <a:ext uri="{FF2B5EF4-FFF2-40B4-BE49-F238E27FC236}">
-                <a16:creationId xmlns:a16="http://schemas.microsoft.com/office/drawing/2014/main" id="{A72F45E0-5004-43DE-9754-93E3FC46C39D}"/>
-              </a:ext>
-            </a:extLst>
-          </p:cNvPr>
-          <p:cNvPicPr>
-            <a:picLocks noChangeAspect="1"/>
-          </p:cNvPicPr>
-          <p:nvPr/>
-        </p:nvPicPr>
-        <p:blipFill>
-          <a:blip r:embed="rId3"/>
-          <a:stretch>
-            <a:fillRect/>
-          </a:stretch>
-        </p:blipFill>
-        <p:spPr>
-          <a:xfrm>
-            <a:off x="8310872" y="172123"/>
-            <a:ext cx="580912" cy="580912"/>
-          </a:xfrm>
-          <a:prstGeom prst="rect">
-            <a:avLst/>
-          </a:prstGeom>
-        </p:spPr>
-      </p:pic>
-      <p:pic>
-        <p:nvPicPr>
-          <p:cNvPr id="7" name="Picture 6" descr="Icon&#10;&#10;Description automatically generated">
-            <a:extLst>
-              <a:ext uri="{FF2B5EF4-FFF2-40B4-BE49-F238E27FC236}">
-                <a16:creationId xmlns:a16="http://schemas.microsoft.com/office/drawing/2014/main" id="{D2FF6628-03FF-4977-AA2D-AE3AB8DA2613}"/>
-              </a:ext>
-            </a:extLst>
-          </p:cNvPr>
-          <p:cNvPicPr>
-            <a:picLocks noChangeAspect="1"/>
-          </p:cNvPicPr>
-          <p:nvPr/>
-        </p:nvPicPr>
-        <p:blipFill>
-          <a:blip r:embed="rId4"/>
-          <a:stretch>
-            <a:fillRect/>
-          </a:stretch>
-        </p:blipFill>
-        <p:spPr>
-          <a:xfrm>
-            <a:off x="252216" y="172123"/>
-            <a:ext cx="884084" cy="475510"/>
-          </a:xfrm>
-          <a:prstGeom prst="rect">
-            <a:avLst/>
-          </a:prstGeom>
-        </p:spPr>
-      </p:pic>
-    </p:spTree>
-    <p:extLst>
-      <p:ext uri="{BB962C8B-B14F-4D97-AF65-F5344CB8AC3E}">
-        <p14:creationId xmlns:p14="http://schemas.microsoft.com/office/powerpoint/2010/main" val="2231994185"/>
-      </p:ext>
-    </p:extLst>
-  </p:cSld>
-  <p:clrMapOvr>
-    <a:masterClrMapping/>
-  </p:clrMapOvr>
-  <mc:AlternateContent xmlns:mc="http://schemas.openxmlformats.org/markup-compatibility/2006" xmlns:p15="http://schemas.microsoft.com/office/powerpoint/2012/main">
-    <mc:Choice Requires="p15">
-      <p:transition xmlns:p14="http://schemas.microsoft.com/office/powerpoint/2010/main" spd="slow" p14:dur="1250">
-        <p15:prstTrans prst="pageCurlSingle"/>
-      </p:transition>
-    </mc:Choice>
-    <mc:Fallback xmlns="">
-      <p:transition spd="slow">
-        <p:fade/>
-      </p:transition>
-    </mc:Fallback>
-  </mc:AlternateContent>
-</p:sld>
-</file>
-
-<file path=ppt/slides/slide17.xml><?xml version="1.0" encoding="utf-8"?>
 <p:sld xmlns:a="http://schemas.openxmlformats.org/drawingml/2006/main" xmlns:r="http://schemas.openxmlformats.org/officeDocument/2006/relationships" xmlns:p="http://schemas.openxmlformats.org/presentationml/2006/main">
   <p:cSld>
     <p:spTree>
@@ -13620,7 +12982,7 @@
             </a:pPr>
             <a:fld id="{00000000-1234-1234-1234-123412341234}" type="slidenum">
               <a:rPr lang="en"/>
-              <a:t>17</a:t>
+              <a:t>15</a:t>
             </a:fld>
             <a:endParaRPr/>
           </a:p>
@@ -14410,13 +13772,13 @@
   <p:clrMapOvr>
     <a:masterClrMapping/>
   </p:clrMapOvr>
-  <mc:AlternateContent xmlns:mc="http://schemas.openxmlformats.org/markup-compatibility/2006" xmlns:p15="http://schemas.microsoft.com/office/powerpoint/2012/main">
-    <mc:Choice Requires="p15">
-      <p:transition xmlns:p14="http://schemas.microsoft.com/office/powerpoint/2010/main" spd="slow" p14:dur="1250">
-        <p15:prstTrans prst="pageCurlSingle"/>
+  <mc:AlternateContent xmlns:mc="http://schemas.openxmlformats.org/markup-compatibility/2006">
+    <mc:Choice xmlns:p159="http://schemas.microsoft.com/office/powerpoint/2015/09/main" Requires="p159">
+      <p:transition spd="slow">
+        <p159:morph option="byObject"/>
       </p:transition>
     </mc:Choice>
-    <mc:Fallback xmlns="">
+    <mc:Fallback>
       <p:transition spd="slow">
         <p:fade/>
       </p:transition>
@@ -16129,7 +15491,7 @@
           </a:lstStyle>
           <a:p>
             <a:r>
-              <a:rPr lang="en" sz="3600" b="1">
+              <a:rPr lang="en" sz="3600" b="1" dirty="0">
                 <a:solidFill>
                   <a:srgbClr val="0E78C0"/>
                 </a:solidFill>
@@ -17010,18 +16372,557 @@
           </a:p>
         </p:txBody>
       </p:sp>
+      <p:sp>
+        <p:nvSpPr>
+          <p:cNvPr id="15" name="Google Shape;160;p30">
+            <a:extLst>
+              <a:ext uri="{FF2B5EF4-FFF2-40B4-BE49-F238E27FC236}">
+                <a16:creationId xmlns:a16="http://schemas.microsoft.com/office/drawing/2014/main" id="{B20904B0-44CB-429B-B58C-C94A85F14F73}"/>
+              </a:ext>
+            </a:extLst>
+          </p:cNvPr>
+          <p:cNvSpPr txBox="1">
+            <a:spLocks/>
+          </p:cNvSpPr>
+          <p:nvPr/>
+        </p:nvSpPr>
+        <p:spPr>
+          <a:xfrm>
+            <a:off x="5918228" y="3044850"/>
+            <a:ext cx="1072200" cy="577800"/>
+          </a:xfrm>
+          <a:prstGeom prst="rect">
+            <a:avLst/>
+          </a:prstGeom>
+        </p:spPr>
+        <p:txBody>
+          <a:bodyPr spcFirstLastPara="1" wrap="square" lIns="91425" tIns="91425" rIns="91425" bIns="91425" anchor="ctr" anchorCtr="0">
+            <a:noAutofit/>
+          </a:bodyPr>
+          <a:lstStyle>
+            <a:defPPr marR="0" lvl="0" algn="l" rtl="0">
+              <a:lnSpc>
+                <a:spcPct val="100000"/>
+              </a:lnSpc>
+              <a:spcBef>
+                <a:spcPts val="0"/>
+              </a:spcBef>
+              <a:spcAft>
+                <a:spcPts val="0"/>
+              </a:spcAft>
+            </a:defPPr>
+            <a:lvl1pPr marR="0" lvl="0" algn="l" rtl="0">
+              <a:lnSpc>
+                <a:spcPct val="100000"/>
+              </a:lnSpc>
+              <a:spcBef>
+                <a:spcPts val="0"/>
+              </a:spcBef>
+              <a:spcAft>
+                <a:spcPts val="0"/>
+              </a:spcAft>
+              <a:buClr>
+                <a:srgbClr val="000000"/>
+              </a:buClr>
+              <a:buFont typeface="Arial"/>
+              <a:defRPr sz="1400" b="0" i="0" u="none" strike="noStrike" cap="none">
+                <a:solidFill>
+                  <a:srgbClr val="000000"/>
+                </a:solidFill>
+                <a:latin typeface="Arial"/>
+                <a:ea typeface="Arial"/>
+                <a:cs typeface="Arial"/>
+                <a:sym typeface="Arial"/>
+              </a:defRPr>
+            </a:lvl1pPr>
+            <a:lvl2pPr marR="0" lvl="1" algn="l" rtl="0">
+              <a:lnSpc>
+                <a:spcPct val="100000"/>
+              </a:lnSpc>
+              <a:spcBef>
+                <a:spcPts val="0"/>
+              </a:spcBef>
+              <a:spcAft>
+                <a:spcPts val="0"/>
+              </a:spcAft>
+              <a:buClr>
+                <a:srgbClr val="000000"/>
+              </a:buClr>
+              <a:buFont typeface="Arial"/>
+              <a:defRPr sz="1400" b="0" i="0" u="none" strike="noStrike" cap="none">
+                <a:solidFill>
+                  <a:srgbClr val="000000"/>
+                </a:solidFill>
+                <a:latin typeface="Arial"/>
+                <a:ea typeface="Arial"/>
+                <a:cs typeface="Arial"/>
+                <a:sym typeface="Arial"/>
+              </a:defRPr>
+            </a:lvl2pPr>
+            <a:lvl3pPr marR="0" lvl="2" algn="l" rtl="0">
+              <a:lnSpc>
+                <a:spcPct val="100000"/>
+              </a:lnSpc>
+              <a:spcBef>
+                <a:spcPts val="0"/>
+              </a:spcBef>
+              <a:spcAft>
+                <a:spcPts val="0"/>
+              </a:spcAft>
+              <a:buClr>
+                <a:srgbClr val="000000"/>
+              </a:buClr>
+              <a:buFont typeface="Arial"/>
+              <a:defRPr sz="1400" b="0" i="0" u="none" strike="noStrike" cap="none">
+                <a:solidFill>
+                  <a:srgbClr val="000000"/>
+                </a:solidFill>
+                <a:latin typeface="Arial"/>
+                <a:ea typeface="Arial"/>
+                <a:cs typeface="Arial"/>
+                <a:sym typeface="Arial"/>
+              </a:defRPr>
+            </a:lvl3pPr>
+            <a:lvl4pPr marR="0" lvl="3" algn="l" rtl="0">
+              <a:lnSpc>
+                <a:spcPct val="100000"/>
+              </a:lnSpc>
+              <a:spcBef>
+                <a:spcPts val="0"/>
+              </a:spcBef>
+              <a:spcAft>
+                <a:spcPts val="0"/>
+              </a:spcAft>
+              <a:buClr>
+                <a:srgbClr val="000000"/>
+              </a:buClr>
+              <a:buFont typeface="Arial"/>
+              <a:defRPr sz="1400" b="0" i="0" u="none" strike="noStrike" cap="none">
+                <a:solidFill>
+                  <a:srgbClr val="000000"/>
+                </a:solidFill>
+                <a:latin typeface="Arial"/>
+                <a:ea typeface="Arial"/>
+                <a:cs typeface="Arial"/>
+                <a:sym typeface="Arial"/>
+              </a:defRPr>
+            </a:lvl4pPr>
+            <a:lvl5pPr marR="0" lvl="4" algn="l" rtl="0">
+              <a:lnSpc>
+                <a:spcPct val="100000"/>
+              </a:lnSpc>
+              <a:spcBef>
+                <a:spcPts val="0"/>
+              </a:spcBef>
+              <a:spcAft>
+                <a:spcPts val="0"/>
+              </a:spcAft>
+              <a:buClr>
+                <a:srgbClr val="000000"/>
+              </a:buClr>
+              <a:buFont typeface="Arial"/>
+              <a:defRPr sz="1400" b="0" i="0" u="none" strike="noStrike" cap="none">
+                <a:solidFill>
+                  <a:srgbClr val="000000"/>
+                </a:solidFill>
+                <a:latin typeface="Arial"/>
+                <a:ea typeface="Arial"/>
+                <a:cs typeface="Arial"/>
+                <a:sym typeface="Arial"/>
+              </a:defRPr>
+            </a:lvl5pPr>
+            <a:lvl6pPr marR="0" lvl="5" algn="l" rtl="0">
+              <a:lnSpc>
+                <a:spcPct val="100000"/>
+              </a:lnSpc>
+              <a:spcBef>
+                <a:spcPts val="0"/>
+              </a:spcBef>
+              <a:spcAft>
+                <a:spcPts val="0"/>
+              </a:spcAft>
+              <a:buClr>
+                <a:srgbClr val="000000"/>
+              </a:buClr>
+              <a:buFont typeface="Arial"/>
+              <a:defRPr sz="1400" b="0" i="0" u="none" strike="noStrike" cap="none">
+                <a:solidFill>
+                  <a:srgbClr val="000000"/>
+                </a:solidFill>
+                <a:latin typeface="Arial"/>
+                <a:ea typeface="Arial"/>
+                <a:cs typeface="Arial"/>
+                <a:sym typeface="Arial"/>
+              </a:defRPr>
+            </a:lvl6pPr>
+            <a:lvl7pPr marR="0" lvl="6" algn="l" rtl="0">
+              <a:lnSpc>
+                <a:spcPct val="100000"/>
+              </a:lnSpc>
+              <a:spcBef>
+                <a:spcPts val="0"/>
+              </a:spcBef>
+              <a:spcAft>
+                <a:spcPts val="0"/>
+              </a:spcAft>
+              <a:buClr>
+                <a:srgbClr val="000000"/>
+              </a:buClr>
+              <a:buFont typeface="Arial"/>
+              <a:defRPr sz="1400" b="0" i="0" u="none" strike="noStrike" cap="none">
+                <a:solidFill>
+                  <a:srgbClr val="000000"/>
+                </a:solidFill>
+                <a:latin typeface="Arial"/>
+                <a:ea typeface="Arial"/>
+                <a:cs typeface="Arial"/>
+                <a:sym typeface="Arial"/>
+              </a:defRPr>
+            </a:lvl7pPr>
+            <a:lvl8pPr marR="0" lvl="7" algn="l" rtl="0">
+              <a:lnSpc>
+                <a:spcPct val="100000"/>
+              </a:lnSpc>
+              <a:spcBef>
+                <a:spcPts val="0"/>
+              </a:spcBef>
+              <a:spcAft>
+                <a:spcPts val="0"/>
+              </a:spcAft>
+              <a:buClr>
+                <a:srgbClr val="000000"/>
+              </a:buClr>
+              <a:buFont typeface="Arial"/>
+              <a:defRPr sz="1400" b="0" i="0" u="none" strike="noStrike" cap="none">
+                <a:solidFill>
+                  <a:srgbClr val="000000"/>
+                </a:solidFill>
+                <a:latin typeface="Arial"/>
+                <a:ea typeface="Arial"/>
+                <a:cs typeface="Arial"/>
+                <a:sym typeface="Arial"/>
+              </a:defRPr>
+            </a:lvl8pPr>
+            <a:lvl9pPr marR="0" lvl="8" algn="l" rtl="0">
+              <a:lnSpc>
+                <a:spcPct val="100000"/>
+              </a:lnSpc>
+              <a:spcBef>
+                <a:spcPts val="0"/>
+              </a:spcBef>
+              <a:spcAft>
+                <a:spcPts val="0"/>
+              </a:spcAft>
+              <a:buClr>
+                <a:srgbClr val="000000"/>
+              </a:buClr>
+              <a:buFont typeface="Arial"/>
+              <a:defRPr sz="1400" b="0" i="0" u="none" strike="noStrike" cap="none">
+                <a:solidFill>
+                  <a:srgbClr val="000000"/>
+                </a:solidFill>
+                <a:latin typeface="Arial"/>
+                <a:ea typeface="Arial"/>
+                <a:cs typeface="Arial"/>
+                <a:sym typeface="Arial"/>
+              </a:defRPr>
+            </a:lvl9pPr>
+          </a:lstStyle>
+          <a:p>
+            <a:r>
+              <a:rPr lang="en" sz="3600" b="1" dirty="0">
+                <a:solidFill>
+                  <a:srgbClr val="0E78C0"/>
+                </a:solidFill>
+                <a:latin typeface="Exo 2" pitchFamily="2" charset="0"/>
+              </a:rPr>
+              <a:t>05</a:t>
+            </a:r>
+          </a:p>
+        </p:txBody>
+      </p:sp>
+      <p:sp>
+        <p:nvSpPr>
+          <p:cNvPr id="16" name="Google Shape;165;p30">
+            <a:extLst>
+              <a:ext uri="{FF2B5EF4-FFF2-40B4-BE49-F238E27FC236}">
+                <a16:creationId xmlns:a16="http://schemas.microsoft.com/office/drawing/2014/main" id="{EA6DF8C0-C006-4F09-AD0D-73FB9FBD8409}"/>
+              </a:ext>
+            </a:extLst>
+          </p:cNvPr>
+          <p:cNvSpPr txBox="1">
+            <a:spLocks/>
+          </p:cNvSpPr>
+          <p:nvPr/>
+        </p:nvSpPr>
+        <p:spPr>
+          <a:xfrm>
+            <a:off x="6664556" y="2994092"/>
+            <a:ext cx="2080792" cy="577800"/>
+          </a:xfrm>
+          <a:prstGeom prst="rect">
+            <a:avLst/>
+          </a:prstGeom>
+        </p:spPr>
+        <p:txBody>
+          <a:bodyPr spcFirstLastPara="1" wrap="square" lIns="91425" tIns="91425" rIns="91425" bIns="91425" anchor="b" anchorCtr="0">
+            <a:noAutofit/>
+          </a:bodyPr>
+          <a:lstStyle>
+            <a:defPPr marR="0" lvl="0" algn="l" rtl="0">
+              <a:lnSpc>
+                <a:spcPct val="100000"/>
+              </a:lnSpc>
+              <a:spcBef>
+                <a:spcPts val="0"/>
+              </a:spcBef>
+              <a:spcAft>
+                <a:spcPts val="0"/>
+              </a:spcAft>
+            </a:defPPr>
+            <a:lvl1pPr marR="0" lvl="0" algn="l" rtl="0">
+              <a:lnSpc>
+                <a:spcPct val="100000"/>
+              </a:lnSpc>
+              <a:spcBef>
+                <a:spcPts val="0"/>
+              </a:spcBef>
+              <a:spcAft>
+                <a:spcPts val="0"/>
+              </a:spcAft>
+              <a:buClr>
+                <a:srgbClr val="000000"/>
+              </a:buClr>
+              <a:buFont typeface="Arial"/>
+              <a:defRPr sz="1400" b="0" i="0" u="none" strike="noStrike" cap="none">
+                <a:solidFill>
+                  <a:srgbClr val="000000"/>
+                </a:solidFill>
+                <a:latin typeface="Arial"/>
+                <a:ea typeface="Arial"/>
+                <a:cs typeface="Arial"/>
+                <a:sym typeface="Arial"/>
+              </a:defRPr>
+            </a:lvl1pPr>
+            <a:lvl2pPr marR="0" lvl="1" algn="l" rtl="0">
+              <a:lnSpc>
+                <a:spcPct val="100000"/>
+              </a:lnSpc>
+              <a:spcBef>
+                <a:spcPts val="0"/>
+              </a:spcBef>
+              <a:spcAft>
+                <a:spcPts val="0"/>
+              </a:spcAft>
+              <a:buClr>
+                <a:srgbClr val="000000"/>
+              </a:buClr>
+              <a:buFont typeface="Arial"/>
+              <a:defRPr sz="1400" b="0" i="0" u="none" strike="noStrike" cap="none">
+                <a:solidFill>
+                  <a:srgbClr val="000000"/>
+                </a:solidFill>
+                <a:latin typeface="Arial"/>
+                <a:ea typeface="Arial"/>
+                <a:cs typeface="Arial"/>
+                <a:sym typeface="Arial"/>
+              </a:defRPr>
+            </a:lvl2pPr>
+            <a:lvl3pPr marR="0" lvl="2" algn="l" rtl="0">
+              <a:lnSpc>
+                <a:spcPct val="100000"/>
+              </a:lnSpc>
+              <a:spcBef>
+                <a:spcPts val="0"/>
+              </a:spcBef>
+              <a:spcAft>
+                <a:spcPts val="0"/>
+              </a:spcAft>
+              <a:buClr>
+                <a:srgbClr val="000000"/>
+              </a:buClr>
+              <a:buFont typeface="Arial"/>
+              <a:defRPr sz="1400" b="0" i="0" u="none" strike="noStrike" cap="none">
+                <a:solidFill>
+                  <a:srgbClr val="000000"/>
+                </a:solidFill>
+                <a:latin typeface="Arial"/>
+                <a:ea typeface="Arial"/>
+                <a:cs typeface="Arial"/>
+                <a:sym typeface="Arial"/>
+              </a:defRPr>
+            </a:lvl3pPr>
+            <a:lvl4pPr marR="0" lvl="3" algn="l" rtl="0">
+              <a:lnSpc>
+                <a:spcPct val="100000"/>
+              </a:lnSpc>
+              <a:spcBef>
+                <a:spcPts val="0"/>
+              </a:spcBef>
+              <a:spcAft>
+                <a:spcPts val="0"/>
+              </a:spcAft>
+              <a:buClr>
+                <a:srgbClr val="000000"/>
+              </a:buClr>
+              <a:buFont typeface="Arial"/>
+              <a:defRPr sz="1400" b="0" i="0" u="none" strike="noStrike" cap="none">
+                <a:solidFill>
+                  <a:srgbClr val="000000"/>
+                </a:solidFill>
+                <a:latin typeface="Arial"/>
+                <a:ea typeface="Arial"/>
+                <a:cs typeface="Arial"/>
+                <a:sym typeface="Arial"/>
+              </a:defRPr>
+            </a:lvl4pPr>
+            <a:lvl5pPr marR="0" lvl="4" algn="l" rtl="0">
+              <a:lnSpc>
+                <a:spcPct val="100000"/>
+              </a:lnSpc>
+              <a:spcBef>
+                <a:spcPts val="0"/>
+              </a:spcBef>
+              <a:spcAft>
+                <a:spcPts val="0"/>
+              </a:spcAft>
+              <a:buClr>
+                <a:srgbClr val="000000"/>
+              </a:buClr>
+              <a:buFont typeface="Arial"/>
+              <a:defRPr sz="1400" b="0" i="0" u="none" strike="noStrike" cap="none">
+                <a:solidFill>
+                  <a:srgbClr val="000000"/>
+                </a:solidFill>
+                <a:latin typeface="Arial"/>
+                <a:ea typeface="Arial"/>
+                <a:cs typeface="Arial"/>
+                <a:sym typeface="Arial"/>
+              </a:defRPr>
+            </a:lvl5pPr>
+            <a:lvl6pPr marR="0" lvl="5" algn="l" rtl="0">
+              <a:lnSpc>
+                <a:spcPct val="100000"/>
+              </a:lnSpc>
+              <a:spcBef>
+                <a:spcPts val="0"/>
+              </a:spcBef>
+              <a:spcAft>
+                <a:spcPts val="0"/>
+              </a:spcAft>
+              <a:buClr>
+                <a:srgbClr val="000000"/>
+              </a:buClr>
+              <a:buFont typeface="Arial"/>
+              <a:defRPr sz="1400" b="0" i="0" u="none" strike="noStrike" cap="none">
+                <a:solidFill>
+                  <a:srgbClr val="000000"/>
+                </a:solidFill>
+                <a:latin typeface="Arial"/>
+                <a:ea typeface="Arial"/>
+                <a:cs typeface="Arial"/>
+                <a:sym typeface="Arial"/>
+              </a:defRPr>
+            </a:lvl6pPr>
+            <a:lvl7pPr marR="0" lvl="6" algn="l" rtl="0">
+              <a:lnSpc>
+                <a:spcPct val="100000"/>
+              </a:lnSpc>
+              <a:spcBef>
+                <a:spcPts val="0"/>
+              </a:spcBef>
+              <a:spcAft>
+                <a:spcPts val="0"/>
+              </a:spcAft>
+              <a:buClr>
+                <a:srgbClr val="000000"/>
+              </a:buClr>
+              <a:buFont typeface="Arial"/>
+              <a:defRPr sz="1400" b="0" i="0" u="none" strike="noStrike" cap="none">
+                <a:solidFill>
+                  <a:srgbClr val="000000"/>
+                </a:solidFill>
+                <a:latin typeface="Arial"/>
+                <a:ea typeface="Arial"/>
+                <a:cs typeface="Arial"/>
+                <a:sym typeface="Arial"/>
+              </a:defRPr>
+            </a:lvl7pPr>
+            <a:lvl8pPr marR="0" lvl="7" algn="l" rtl="0">
+              <a:lnSpc>
+                <a:spcPct val="100000"/>
+              </a:lnSpc>
+              <a:spcBef>
+                <a:spcPts val="0"/>
+              </a:spcBef>
+              <a:spcAft>
+                <a:spcPts val="0"/>
+              </a:spcAft>
+              <a:buClr>
+                <a:srgbClr val="000000"/>
+              </a:buClr>
+              <a:buFont typeface="Arial"/>
+              <a:defRPr sz="1400" b="0" i="0" u="none" strike="noStrike" cap="none">
+                <a:solidFill>
+                  <a:srgbClr val="000000"/>
+                </a:solidFill>
+                <a:latin typeface="Arial"/>
+                <a:ea typeface="Arial"/>
+                <a:cs typeface="Arial"/>
+                <a:sym typeface="Arial"/>
+              </a:defRPr>
+            </a:lvl8pPr>
+            <a:lvl9pPr marR="0" lvl="8" algn="l" rtl="0">
+              <a:lnSpc>
+                <a:spcPct val="100000"/>
+              </a:lnSpc>
+              <a:spcBef>
+                <a:spcPts val="0"/>
+              </a:spcBef>
+              <a:spcAft>
+                <a:spcPts val="0"/>
+              </a:spcAft>
+              <a:buClr>
+                <a:srgbClr val="000000"/>
+              </a:buClr>
+              <a:buFont typeface="Arial"/>
+              <a:defRPr sz="1400" b="0" i="0" u="none" strike="noStrike" cap="none">
+                <a:solidFill>
+                  <a:srgbClr val="000000"/>
+                </a:solidFill>
+                <a:latin typeface="Arial"/>
+                <a:ea typeface="Arial"/>
+                <a:cs typeface="Arial"/>
+                <a:sym typeface="Arial"/>
+              </a:defRPr>
+            </a:lvl9pPr>
+          </a:lstStyle>
+          <a:p>
+            <a:pPr algn="r"/>
+            <a:r>
+              <a:rPr lang="en-US" b="1" dirty="0">
+                <a:solidFill>
+                  <a:srgbClr val="0E78C0"/>
+                </a:solidFill>
+                <a:latin typeface="Exo 2" pitchFamily="2" charset="0"/>
+              </a:rPr>
+              <a:t>Control training using Callbacks</a:t>
+            </a:r>
+          </a:p>
+        </p:txBody>
+      </p:sp>
     </p:spTree>
   </p:cSld>
   <p:clrMapOvr>
     <a:masterClrMapping/>
   </p:clrMapOvr>
-  <mc:AlternateContent xmlns:mc="http://schemas.openxmlformats.org/markup-compatibility/2006" xmlns:p15="http://schemas.microsoft.com/office/powerpoint/2012/main">
-    <mc:Choice Requires="p15">
-      <p:transition xmlns:p14="http://schemas.microsoft.com/office/powerpoint/2010/main" spd="slow" p14:dur="1250">
-        <p15:prstTrans prst="pageCurlSingle"/>
+  <mc:AlternateContent xmlns:mc="http://schemas.openxmlformats.org/markup-compatibility/2006">
+    <mc:Choice xmlns:p159="http://schemas.microsoft.com/office/powerpoint/2015/09/main" Requires="p159">
+      <p:transition spd="slow">
+        <p159:morph option="byObject"/>
       </p:transition>
     </mc:Choice>
-    <mc:Fallback xmlns="">
+    <mc:Fallback>
       <p:transition spd="slow">
         <p:fade/>
       </p:transition>
@@ -17471,13 +17372,13 @@
   <p:clrMapOvr>
     <a:masterClrMapping/>
   </p:clrMapOvr>
-  <mc:AlternateContent xmlns:mc="http://schemas.openxmlformats.org/markup-compatibility/2006" xmlns:p15="http://schemas.microsoft.com/office/powerpoint/2012/main">
-    <mc:Choice Requires="p15">
-      <p:transition xmlns:p14="http://schemas.microsoft.com/office/powerpoint/2010/main" spd="slow" p14:dur="1250">
-        <p15:prstTrans prst="pageCurlSingle"/>
+  <mc:AlternateContent xmlns:mc="http://schemas.openxmlformats.org/markup-compatibility/2006">
+    <mc:Choice xmlns:p159="http://schemas.microsoft.com/office/powerpoint/2015/09/main" Requires="p159">
+      <p:transition spd="slow">
+        <p159:morph option="byObject"/>
       </p:transition>
     </mc:Choice>
-    <mc:Fallback xmlns="">
+    <mc:Fallback>
       <p:transition spd="slow">
         <p:fade/>
       </p:transition>
@@ -17834,13 +17735,13 @@
   <p:clrMapOvr>
     <a:masterClrMapping/>
   </p:clrMapOvr>
-  <mc:AlternateContent xmlns:mc="http://schemas.openxmlformats.org/markup-compatibility/2006" xmlns:p15="http://schemas.microsoft.com/office/powerpoint/2012/main">
-    <mc:Choice Requires="p15">
-      <p:transition xmlns:p14="http://schemas.microsoft.com/office/powerpoint/2010/main" spd="slow" p14:dur="1250">
-        <p15:prstTrans prst="pageCurlSingle"/>
+  <mc:AlternateContent xmlns:mc="http://schemas.openxmlformats.org/markup-compatibility/2006">
+    <mc:Choice xmlns:p159="http://schemas.microsoft.com/office/powerpoint/2015/09/main" Requires="p159">
+      <p:transition spd="slow">
+        <p159:morph option="byObject"/>
       </p:transition>
     </mc:Choice>
-    <mc:Fallback xmlns="">
+    <mc:Fallback>
       <p:transition spd="slow">
         <p:fade/>
       </p:transition>
@@ -18296,13 +18197,13 @@
   <p:clrMapOvr>
     <a:masterClrMapping/>
   </p:clrMapOvr>
-  <mc:AlternateContent xmlns:mc="http://schemas.openxmlformats.org/markup-compatibility/2006" xmlns:p15="http://schemas.microsoft.com/office/powerpoint/2012/main">
-    <mc:Choice Requires="p15">
-      <p:transition xmlns:p14="http://schemas.microsoft.com/office/powerpoint/2010/main" spd="slow" p14:dur="1250">
-        <p15:prstTrans prst="pageCurlSingle"/>
+  <mc:AlternateContent xmlns:mc="http://schemas.openxmlformats.org/markup-compatibility/2006">
+    <mc:Choice xmlns:p159="http://schemas.microsoft.com/office/powerpoint/2015/09/main" Requires="p159">
+      <p:transition spd="slow">
+        <p159:morph option="byObject"/>
       </p:transition>
     </mc:Choice>
-    <mc:Fallback xmlns="">
+    <mc:Fallback>
       <p:transition spd="slow">
         <p:fade/>
       </p:transition>
@@ -18591,13 +18492,13 @@
   <p:clrMapOvr>
     <a:masterClrMapping/>
   </p:clrMapOvr>
-  <mc:AlternateContent xmlns:mc="http://schemas.openxmlformats.org/markup-compatibility/2006" xmlns:p15="http://schemas.microsoft.com/office/powerpoint/2012/main">
-    <mc:Choice Requires="p15">
-      <p:transition xmlns:p14="http://schemas.microsoft.com/office/powerpoint/2010/main" spd="slow" p14:dur="1250">
-        <p15:prstTrans prst="pageCurlSingle"/>
+  <mc:AlternateContent xmlns:mc="http://schemas.openxmlformats.org/markup-compatibility/2006">
+    <mc:Choice xmlns:p159="http://schemas.microsoft.com/office/powerpoint/2015/09/main" Requires="p159">
+      <p:transition spd="slow">
+        <p159:morph option="byObject"/>
       </p:transition>
     </mc:Choice>
-    <mc:Fallback xmlns="">
+    <mc:Fallback>
       <p:transition spd="slow">
         <p:fade/>
       </p:transition>
@@ -19282,13 +19183,13 @@
   <p:clrMapOvr>
     <a:masterClrMapping/>
   </p:clrMapOvr>
-  <mc:AlternateContent xmlns:mc="http://schemas.openxmlformats.org/markup-compatibility/2006" xmlns:p15="http://schemas.microsoft.com/office/powerpoint/2012/main">
-    <mc:Choice Requires="p15">
-      <p:transition xmlns:p14="http://schemas.microsoft.com/office/powerpoint/2010/main" spd="slow" p14:dur="1250">
-        <p15:prstTrans prst="pageCurlSingle"/>
+  <mc:AlternateContent xmlns:mc="http://schemas.openxmlformats.org/markup-compatibility/2006">
+    <mc:Choice xmlns:p159="http://schemas.microsoft.com/office/powerpoint/2015/09/main" Requires="p159">
+      <p:transition spd="slow">
+        <p159:morph option="byObject"/>
       </p:transition>
     </mc:Choice>
-    <mc:Fallback xmlns="">
+    <mc:Fallback>
       <p:transition spd="slow">
         <p:fade/>
       </p:transition>
@@ -19564,9 +19465,9 @@
     <a:masterClrMapping/>
   </p:clrMapOvr>
   <mc:AlternateContent xmlns:mc="http://schemas.openxmlformats.org/markup-compatibility/2006">
-    <mc:Choice xmlns:p15="http://schemas.microsoft.com/office/powerpoint/2012/main" Requires="p15">
-      <p:transition xmlns:p14="http://schemas.microsoft.com/office/powerpoint/2010/main" spd="slow" p14:dur="1250">
-        <p15:prstTrans prst="pageCurlSingle"/>
+    <mc:Choice xmlns:p159="http://schemas.microsoft.com/office/powerpoint/2015/09/main" Requires="p159">
+      <p:transition spd="slow">
+        <p159:morph option="byObject"/>
       </p:transition>
     </mc:Choice>
     <mc:Fallback>
@@ -20083,13 +19984,13 @@
   <p:clrMapOvr>
     <a:masterClrMapping/>
   </p:clrMapOvr>
-  <mc:AlternateContent xmlns:mc="http://schemas.openxmlformats.org/markup-compatibility/2006" xmlns:p15="http://schemas.microsoft.com/office/powerpoint/2012/main">
-    <mc:Choice Requires="p15">
-      <p:transition xmlns:p14="http://schemas.microsoft.com/office/powerpoint/2010/main" spd="slow" p14:dur="1250">
-        <p15:prstTrans prst="pageCurlSingle"/>
+  <mc:AlternateContent xmlns:mc="http://schemas.openxmlformats.org/markup-compatibility/2006">
+    <mc:Choice xmlns:p159="http://schemas.microsoft.com/office/powerpoint/2015/09/main" Requires="p159">
+      <p:transition spd="slow">
+        <p159:morph option="byObject"/>
       </p:transition>
     </mc:Choice>
-    <mc:Fallback xmlns="">
+    <mc:Fallback>
       <p:transition spd="slow">
         <p:fade/>
       </p:transition>

--- a/1_Introduction_To_TF/Week_2/Slide/An_Introduction_to_computer_vision.pptx
+++ b/1_Introduction_To_TF/Week_2/Slide/An_Introduction_to_computer_vision.pptx
@@ -285,7 +285,7 @@
   <p:extLst>
     <p:ext uri="{521415D9-36F7-43E2-AB2F-B90AF26B5E84}">
       <p14:sectionLst xmlns:p14="http://schemas.microsoft.com/office/powerpoint/2010/main">
-        <p14:section name="Default Section" id="{1FE7F25E-5556-4E36-B9CF-CC1EEF4AE19D}">
+        <p14:section name="Intro Section" id="{1FE7F25E-5556-4E36-B9CF-CC1EEF4AE19D}">
           <p14:sldIdLst>
             <p14:sldId id="256"/>
             <p14:sldId id="258"/>
@@ -315,6 +315,10 @@
           <p14:sldIdLst>
             <p14:sldId id="282"/>
             <p14:sldId id="292"/>
+          </p14:sldIdLst>
+        </p14:section>
+        <p14:section name="Control training using Callbacks" id="{6CF0814D-D190-40B0-BFAC-74AA1C475FF2}">
+          <p14:sldIdLst>
             <p14:sldId id="283"/>
             <p14:sldId id="293"/>
             <p14:sldId id="279"/>
@@ -10452,13 +10456,13 @@
   <p:clrMapOvr>
     <a:masterClrMapping/>
   </p:clrMapOvr>
-  <mc:AlternateContent xmlns:mc="http://schemas.openxmlformats.org/markup-compatibility/2006">
-    <mc:Choice xmlns:p159="http://schemas.microsoft.com/office/powerpoint/2015/09/main" Requires="p159">
+  <mc:AlternateContent xmlns:mc="http://schemas.openxmlformats.org/markup-compatibility/2006" xmlns:p159="http://schemas.microsoft.com/office/powerpoint/2015/09/main">
+    <mc:Choice Requires="p159">
       <p:transition spd="slow">
         <p159:morph option="byObject"/>
       </p:transition>
     </mc:Choice>
-    <mc:Fallback>
+    <mc:Fallback xmlns="">
       <p:transition spd="slow">
         <p:fade/>
       </p:transition>
@@ -10913,13 +10917,13 @@
   <p:clrMapOvr>
     <a:masterClrMapping/>
   </p:clrMapOvr>
-  <mc:AlternateContent xmlns:mc="http://schemas.openxmlformats.org/markup-compatibility/2006">
-    <mc:Choice xmlns:p159="http://schemas.microsoft.com/office/powerpoint/2015/09/main" Requires="p159">
+  <mc:AlternateContent xmlns:mc="http://schemas.openxmlformats.org/markup-compatibility/2006" xmlns:p159="http://schemas.microsoft.com/office/powerpoint/2015/09/main">
+    <mc:Choice Requires="p159">
       <p:transition spd="slow">
         <p159:morph option="byObject"/>
       </p:transition>
     </mc:Choice>
-    <mc:Fallback>
+    <mc:Fallback xmlns="">
       <p:transition spd="slow">
         <p:fade/>
       </p:transition>
@@ -11555,13 +11559,13 @@
   <p:clrMapOvr>
     <a:masterClrMapping/>
   </p:clrMapOvr>
-  <mc:AlternateContent xmlns:mc="http://schemas.openxmlformats.org/markup-compatibility/2006">
-    <mc:Choice xmlns:p159="http://schemas.microsoft.com/office/powerpoint/2015/09/main" Requires="p159">
+  <mc:AlternateContent xmlns:mc="http://schemas.openxmlformats.org/markup-compatibility/2006" xmlns:p159="http://schemas.microsoft.com/office/powerpoint/2015/09/main">
+    <mc:Choice Requires="p159">
       <p:transition spd="slow">
         <p159:morph option="byObject"/>
       </p:transition>
     </mc:Choice>
-    <mc:Fallback>
+    <mc:Fallback xmlns="">
       <p:transition spd="slow">
         <p:fade/>
       </p:transition>
@@ -12016,13 +12020,13 @@
   <p:clrMapOvr>
     <a:masterClrMapping/>
   </p:clrMapOvr>
-  <mc:AlternateContent xmlns:mc="http://schemas.openxmlformats.org/markup-compatibility/2006">
-    <mc:Choice xmlns:p159="http://schemas.microsoft.com/office/powerpoint/2015/09/main" Requires="p159">
+  <mc:AlternateContent xmlns:mc="http://schemas.openxmlformats.org/markup-compatibility/2006" xmlns:p159="http://schemas.microsoft.com/office/powerpoint/2015/09/main">
+    <mc:Choice Requires="p159">
       <p:transition spd="slow">
         <p159:morph option="byObject"/>
       </p:transition>
     </mc:Choice>
-    <mc:Fallback>
+    <mc:Fallback xmlns="">
       <p:transition spd="slow">
         <p:fade/>
       </p:transition>
@@ -12914,13 +12918,13 @@
   <p:clrMapOvr>
     <a:masterClrMapping/>
   </p:clrMapOvr>
-  <mc:AlternateContent xmlns:mc="http://schemas.openxmlformats.org/markup-compatibility/2006">
-    <mc:Choice xmlns:p159="http://schemas.microsoft.com/office/powerpoint/2015/09/main" Requires="p159">
+  <mc:AlternateContent xmlns:mc="http://schemas.openxmlformats.org/markup-compatibility/2006" xmlns:p159="http://schemas.microsoft.com/office/powerpoint/2015/09/main">
+    <mc:Choice Requires="p159">
       <p:transition spd="slow">
         <p159:morph option="byObject"/>
       </p:transition>
     </mc:Choice>
-    <mc:Fallback>
+    <mc:Fallback xmlns="">
       <p:transition spd="slow">
         <p:fade/>
       </p:transition>
@@ -13772,13 +13776,13 @@
   <p:clrMapOvr>
     <a:masterClrMapping/>
   </p:clrMapOvr>
-  <mc:AlternateContent xmlns:mc="http://schemas.openxmlformats.org/markup-compatibility/2006">
-    <mc:Choice xmlns:p159="http://schemas.microsoft.com/office/powerpoint/2015/09/main" Requires="p159">
+  <mc:AlternateContent xmlns:mc="http://schemas.openxmlformats.org/markup-compatibility/2006" xmlns:p159="http://schemas.microsoft.com/office/powerpoint/2015/09/main">
+    <mc:Choice Requires="p159">
       <p:transition spd="slow">
         <p159:morph option="byObject"/>
       </p:transition>
     </mc:Choice>
-    <mc:Fallback>
+    <mc:Fallback xmlns="">
       <p:transition spd="slow">
         <p:fade/>
       </p:transition>
@@ -16916,13 +16920,13 @@
   <p:clrMapOvr>
     <a:masterClrMapping/>
   </p:clrMapOvr>
-  <mc:AlternateContent xmlns:mc="http://schemas.openxmlformats.org/markup-compatibility/2006">
-    <mc:Choice xmlns:p159="http://schemas.microsoft.com/office/powerpoint/2015/09/main" Requires="p159">
+  <mc:AlternateContent xmlns:mc="http://schemas.openxmlformats.org/markup-compatibility/2006" xmlns:p159="http://schemas.microsoft.com/office/powerpoint/2015/09/main">
+    <mc:Choice Requires="p159">
       <p:transition spd="slow">
         <p159:morph option="byObject"/>
       </p:transition>
     </mc:Choice>
-    <mc:Fallback>
+    <mc:Fallback xmlns="">
       <p:transition spd="slow">
         <p:fade/>
       </p:transition>
@@ -17372,13 +17376,13 @@
   <p:clrMapOvr>
     <a:masterClrMapping/>
   </p:clrMapOvr>
-  <mc:AlternateContent xmlns:mc="http://schemas.openxmlformats.org/markup-compatibility/2006">
-    <mc:Choice xmlns:p159="http://schemas.microsoft.com/office/powerpoint/2015/09/main" Requires="p159">
+  <mc:AlternateContent xmlns:mc="http://schemas.openxmlformats.org/markup-compatibility/2006" xmlns:p159="http://schemas.microsoft.com/office/powerpoint/2015/09/main">
+    <mc:Choice Requires="p159">
       <p:transition spd="slow">
         <p159:morph option="byObject"/>
       </p:transition>
     </mc:Choice>
-    <mc:Fallback>
+    <mc:Fallback xmlns="">
       <p:transition spd="slow">
         <p:fade/>
       </p:transition>
@@ -17735,13 +17739,13 @@
   <p:clrMapOvr>
     <a:masterClrMapping/>
   </p:clrMapOvr>
-  <mc:AlternateContent xmlns:mc="http://schemas.openxmlformats.org/markup-compatibility/2006">
-    <mc:Choice xmlns:p159="http://schemas.microsoft.com/office/powerpoint/2015/09/main" Requires="p159">
+  <mc:AlternateContent xmlns:mc="http://schemas.openxmlformats.org/markup-compatibility/2006" xmlns:p159="http://schemas.microsoft.com/office/powerpoint/2015/09/main">
+    <mc:Choice Requires="p159">
       <p:transition spd="slow">
         <p159:morph option="byObject"/>
       </p:transition>
     </mc:Choice>
-    <mc:Fallback>
+    <mc:Fallback xmlns="">
       <p:transition spd="slow">
         <p:fade/>
       </p:transition>
@@ -18197,13 +18201,13 @@
   <p:clrMapOvr>
     <a:masterClrMapping/>
   </p:clrMapOvr>
-  <mc:AlternateContent xmlns:mc="http://schemas.openxmlformats.org/markup-compatibility/2006">
-    <mc:Choice xmlns:p159="http://schemas.microsoft.com/office/powerpoint/2015/09/main" Requires="p159">
+  <mc:AlternateContent xmlns:mc="http://schemas.openxmlformats.org/markup-compatibility/2006" xmlns:p159="http://schemas.microsoft.com/office/powerpoint/2015/09/main">
+    <mc:Choice Requires="p159">
       <p:transition spd="slow">
         <p159:morph option="byObject"/>
       </p:transition>
     </mc:Choice>
-    <mc:Fallback>
+    <mc:Fallback xmlns="">
       <p:transition spd="slow">
         <p:fade/>
       </p:transition>
@@ -18492,13 +18496,13 @@
   <p:clrMapOvr>
     <a:masterClrMapping/>
   </p:clrMapOvr>
-  <mc:AlternateContent xmlns:mc="http://schemas.openxmlformats.org/markup-compatibility/2006">
-    <mc:Choice xmlns:p159="http://schemas.microsoft.com/office/powerpoint/2015/09/main" Requires="p159">
+  <mc:AlternateContent xmlns:mc="http://schemas.openxmlformats.org/markup-compatibility/2006" xmlns:p159="http://schemas.microsoft.com/office/powerpoint/2015/09/main">
+    <mc:Choice Requires="p159">
       <p:transition spd="slow">
         <p159:morph option="byObject"/>
       </p:transition>
     </mc:Choice>
-    <mc:Fallback>
+    <mc:Fallback xmlns="">
       <p:transition spd="slow">
         <p:fade/>
       </p:transition>
@@ -19183,13 +19187,13 @@
   <p:clrMapOvr>
     <a:masterClrMapping/>
   </p:clrMapOvr>
-  <mc:AlternateContent xmlns:mc="http://schemas.openxmlformats.org/markup-compatibility/2006">
-    <mc:Choice xmlns:p159="http://schemas.microsoft.com/office/powerpoint/2015/09/main" Requires="p159">
+  <mc:AlternateContent xmlns:mc="http://schemas.openxmlformats.org/markup-compatibility/2006" xmlns:p159="http://schemas.microsoft.com/office/powerpoint/2015/09/main">
+    <mc:Choice Requires="p159">
       <p:transition spd="slow">
         <p159:morph option="byObject"/>
       </p:transition>
     </mc:Choice>
-    <mc:Fallback>
+    <mc:Fallback xmlns="">
       <p:transition spd="slow">
         <p:fade/>
       </p:transition>
@@ -19464,13 +19468,13 @@
   <p:clrMapOvr>
     <a:masterClrMapping/>
   </p:clrMapOvr>
-  <mc:AlternateContent xmlns:mc="http://schemas.openxmlformats.org/markup-compatibility/2006">
-    <mc:Choice xmlns:p159="http://schemas.microsoft.com/office/powerpoint/2015/09/main" Requires="p159">
+  <mc:AlternateContent xmlns:mc="http://schemas.openxmlformats.org/markup-compatibility/2006" xmlns:p159="http://schemas.microsoft.com/office/powerpoint/2015/09/main">
+    <mc:Choice Requires="p159">
       <p:transition spd="slow">
         <p159:morph option="byObject"/>
       </p:transition>
     </mc:Choice>
-    <mc:Fallback>
+    <mc:Fallback xmlns="">
       <p:transition spd="slow">
         <p:fade/>
       </p:transition>
@@ -19984,13 +19988,13 @@
   <p:clrMapOvr>
     <a:masterClrMapping/>
   </p:clrMapOvr>
-  <mc:AlternateContent xmlns:mc="http://schemas.openxmlformats.org/markup-compatibility/2006">
-    <mc:Choice xmlns:p159="http://schemas.microsoft.com/office/powerpoint/2015/09/main" Requires="p159">
+  <mc:AlternateContent xmlns:mc="http://schemas.openxmlformats.org/markup-compatibility/2006" xmlns:p159="http://schemas.microsoft.com/office/powerpoint/2015/09/main">
+    <mc:Choice Requires="p159">
       <p:transition spd="slow">
         <p159:morph option="byObject"/>
       </p:transition>
     </mc:Choice>
-    <mc:Fallback>
+    <mc:Fallback xmlns="">
       <p:transition spd="slow">
         <p:fade/>
       </p:transition>
